--- a/Databasae management system/theory/course material/Lecture 6 DML 1  S23.pptx
+++ b/Databasae management system/theory/course material/Lecture 6 DML 1  S23.pptx
@@ -238,7 +238,7 @@
           <a:p>
             <a:fld id="{F910BE5B-A45E-4D1B-A5A4-7705D6639D5D}" type="datetimeFigureOut">
               <a:rPr lang="en-US" smtClean="0"/>
-              <a:t>4/10/2023</a:t>
+              <a:t>11/24/2024</a:t>
             </a:fld>
             <a:endParaRPr lang="en-US"/>
           </a:p>
@@ -835,7 +835,7 @@
           <a:p>
             <a:fld id="{93EB094D-46BC-4CE0-A53F-2C7E4F5AF85F}" type="datetimeFigureOut">
               <a:rPr lang="en-US" smtClean="0"/>
-              <a:t>4/10/2023</a:t>
+              <a:t>11/24/2024</a:t>
             </a:fld>
             <a:endParaRPr lang="en-US"/>
           </a:p>
@@ -1043,7 +1043,7 @@
           <a:p>
             <a:fld id="{93EB094D-46BC-4CE0-A53F-2C7E4F5AF85F}" type="datetimeFigureOut">
               <a:rPr lang="en-US" smtClean="0"/>
-              <a:t>4/10/2023</a:t>
+              <a:t>11/24/2024</a:t>
             </a:fld>
             <a:endParaRPr lang="en-US"/>
           </a:p>
@@ -1299,7 +1299,7 @@
           <a:p>
             <a:fld id="{93EB094D-46BC-4CE0-A53F-2C7E4F5AF85F}" type="datetimeFigureOut">
               <a:rPr lang="en-US" smtClean="0"/>
-              <a:t>4/10/2023</a:t>
+              <a:t>11/24/2024</a:t>
             </a:fld>
             <a:endParaRPr lang="en-US"/>
           </a:p>
@@ -1473,7 +1473,7 @@
           <a:p>
             <a:fld id="{93EB094D-46BC-4CE0-A53F-2C7E4F5AF85F}" type="datetimeFigureOut">
               <a:rPr lang="en-US" smtClean="0"/>
-              <a:t>4/10/2023</a:t>
+              <a:t>11/24/2024</a:t>
             </a:fld>
             <a:endParaRPr lang="en-US"/>
           </a:p>
@@ -1816,7 +1816,7 @@
           <a:p>
             <a:fld id="{93EB094D-46BC-4CE0-A53F-2C7E4F5AF85F}" type="datetimeFigureOut">
               <a:rPr lang="en-US" smtClean="0"/>
-              <a:t>4/10/2023</a:t>
+              <a:t>11/24/2024</a:t>
             </a:fld>
             <a:endParaRPr lang="en-US"/>
           </a:p>
@@ -2091,7 +2091,7 @@
           <a:p>
             <a:fld id="{93EB094D-46BC-4CE0-A53F-2C7E4F5AF85F}" type="datetimeFigureOut">
               <a:rPr lang="en-US" smtClean="0"/>
-              <a:t>4/10/2023</a:t>
+              <a:t>11/24/2024</a:t>
             </a:fld>
             <a:endParaRPr lang="en-US"/>
           </a:p>
@@ -2470,7 +2470,7 @@
           <a:p>
             <a:fld id="{93EB094D-46BC-4CE0-A53F-2C7E4F5AF85F}" type="datetimeFigureOut">
               <a:rPr lang="en-US" smtClean="0"/>
-              <a:t>4/10/2023</a:t>
+              <a:t>11/24/2024</a:t>
             </a:fld>
             <a:endParaRPr lang="en-US"/>
           </a:p>
@@ -2588,7 +2588,7 @@
           <a:p>
             <a:fld id="{93EB094D-46BC-4CE0-A53F-2C7E4F5AF85F}" type="datetimeFigureOut">
               <a:rPr lang="en-US" smtClean="0"/>
-              <a:t>4/10/2023</a:t>
+              <a:t>11/24/2024</a:t>
             </a:fld>
             <a:endParaRPr lang="en-US"/>
           </a:p>
@@ -2759,7 +2759,7 @@
           <a:p>
             <a:fld id="{93EB094D-46BC-4CE0-A53F-2C7E4F5AF85F}" type="datetimeFigureOut">
               <a:rPr lang="en-US" smtClean="0"/>
-              <a:t>4/10/2023</a:t>
+              <a:t>11/24/2024</a:t>
             </a:fld>
             <a:endParaRPr lang="en-US"/>
           </a:p>
@@ -3113,7 +3113,7 @@
           <a:p>
             <a:fld id="{93EB094D-46BC-4CE0-A53F-2C7E4F5AF85F}" type="datetimeFigureOut">
               <a:rPr lang="en-US" smtClean="0"/>
-              <a:t>4/10/2023</a:t>
+              <a:t>11/24/2024</a:t>
             </a:fld>
             <a:endParaRPr lang="en-US"/>
           </a:p>
@@ -3495,7 +3495,7 @@
           <a:p>
             <a:fld id="{93EB094D-46BC-4CE0-A53F-2C7E4F5AF85F}" type="datetimeFigureOut">
               <a:rPr lang="en-US" smtClean="0"/>
-              <a:t>4/10/2023</a:t>
+              <a:t>11/24/2024</a:t>
             </a:fld>
             <a:endParaRPr lang="en-US"/>
           </a:p>
@@ -3782,7 +3782,7 @@
           <a:p>
             <a:fld id="{93EB094D-46BC-4CE0-A53F-2C7E4F5AF85F}" type="datetimeFigureOut">
               <a:rPr lang="en-US" smtClean="0"/>
-              <a:t>4/10/2023</a:t>
+              <a:t>11/24/2024</a:t>
             </a:fld>
             <a:endParaRPr lang="en-US"/>
           </a:p>
@@ -4806,19 +4806,27 @@
                   <a:srgbClr val="000000"/>
                 </a:solidFill>
               </a:rPr>
-              <a:t> Give all employees in the 'Research' department a 10% raise in salary.</a:t>
+              <a:t> </a:t>
+            </a:r>
+            <a:r>
+              <a:rPr lang="en-US" altLang="en-US" dirty="0">
+                <a:solidFill>
+                  <a:srgbClr val="FF0000"/>
+                </a:solidFill>
+              </a:rPr>
+              <a:t>Give all employees in the 'Research' department a 10% raise in salary.</a:t>
             </a:r>
             <a:br>
               <a:rPr lang="en-US" altLang="en-US" dirty="0">
                 <a:solidFill>
-                  <a:srgbClr val="000000"/>
+                  <a:srgbClr val="FF0000"/>
                 </a:solidFill>
               </a:rPr>
             </a:br>
             <a:r>
               <a:rPr lang="en-US" altLang="en-US" dirty="0">
                 <a:solidFill>
-                  <a:srgbClr val="000000"/>
+                  <a:srgbClr val="FF0000"/>
                 </a:solidFill>
               </a:rPr>
               <a:t/>
@@ -4826,14 +4834,14 @@
             <a:br>
               <a:rPr lang="en-US" altLang="en-US" dirty="0">
                 <a:solidFill>
-                  <a:srgbClr val="000000"/>
+                  <a:srgbClr val="FF0000"/>
                 </a:solidFill>
               </a:rPr>
             </a:br>
             <a:r>
               <a:rPr lang="en-US" altLang="en-US" b="1" dirty="0">
                 <a:solidFill>
-                  <a:srgbClr val="000000"/>
+                  <a:srgbClr val="FF0000"/>
                 </a:solidFill>
               </a:rPr>
               <a:t>U6:	UPDATE 	EMPLOYEE</a:t>
@@ -4841,14 +4849,14 @@
             <a:br>
               <a:rPr lang="en-US" altLang="en-US" b="1" dirty="0">
                 <a:solidFill>
-                  <a:srgbClr val="000000"/>
+                  <a:srgbClr val="FF0000"/>
                 </a:solidFill>
               </a:rPr>
             </a:br>
             <a:r>
               <a:rPr lang="en-US" altLang="en-US" b="1" dirty="0">
                 <a:solidFill>
-                  <a:srgbClr val="000000"/>
+                  <a:srgbClr val="FF0000"/>
                 </a:solidFill>
               </a:rPr>
               <a:t>	SET		SALARY = SALARY *1.1</a:t>
@@ -4856,14 +4864,14 @@
             <a:br>
               <a:rPr lang="en-US" altLang="en-US" b="1" dirty="0">
                 <a:solidFill>
-                  <a:srgbClr val="000000"/>
+                  <a:srgbClr val="FF0000"/>
                 </a:solidFill>
               </a:rPr>
             </a:br>
             <a:r>
               <a:rPr lang="en-US" altLang="en-US" b="1" dirty="0">
                 <a:solidFill>
-                  <a:srgbClr val="000000"/>
+                  <a:srgbClr val="FF0000"/>
                 </a:solidFill>
               </a:rPr>
               <a:t>	WHERE	</a:t>
@@ -4871,7 +4879,7 @@
             <a:r>
               <a:rPr lang="en-US" altLang="en-US" b="1" dirty="0" err="1">
                 <a:solidFill>
-                  <a:srgbClr val="000000"/>
+                  <a:srgbClr val="FF0000"/>
                 </a:solidFill>
               </a:rPr>
               <a:t>dno</a:t>
@@ -4879,7 +4887,7 @@
             <a:r>
               <a:rPr lang="en-US" altLang="en-US" b="1" dirty="0">
                 <a:solidFill>
-                  <a:srgbClr val="000000"/>
+                  <a:srgbClr val="FF0000"/>
                 </a:solidFill>
               </a:rPr>
               <a:t> =5;</a:t>
@@ -4887,13 +4895,13 @@
             <a:br>
               <a:rPr lang="en-US" altLang="en-US" b="1" dirty="0">
                 <a:solidFill>
-                  <a:srgbClr val="000000"/>
+                  <a:srgbClr val="FF0000"/>
                 </a:solidFill>
               </a:rPr>
             </a:br>
             <a:endParaRPr lang="en-US" altLang="en-US" b="1" dirty="0">
               <a:solidFill>
-                <a:srgbClr val="000000"/>
+                <a:srgbClr val="FF0000"/>
               </a:solidFill>
             </a:endParaRPr>
           </a:p>
@@ -4902,7 +4910,7 @@
             <a:r>
               <a:rPr lang="en-US" altLang="en-US" dirty="0">
                 <a:solidFill>
-                  <a:srgbClr val="000000"/>
+                  <a:srgbClr val="FF0000"/>
                 </a:solidFill>
               </a:rPr>
               <a:t>In this request, the modified SALARY value depends on the original SALARY value in each tuple</a:t>
@@ -6803,7 +6811,23 @@
                   <a:srgbClr val="000000"/>
                 </a:solidFill>
               </a:rPr>
-              <a:t> clause is used to sort the tuples in a query result based on the values of some attribute(s)</a:t>
+              <a:t> clause is used to sort the </a:t>
+            </a:r>
+            <a:r>
+              <a:rPr lang="en-US" altLang="en-US" dirty="0" smtClean="0">
+                <a:solidFill>
+                  <a:srgbClr val="000000"/>
+                </a:solidFill>
+              </a:rPr>
+              <a:t>tuples/row </a:t>
+            </a:r>
+            <a:r>
+              <a:rPr lang="en-US" altLang="en-US" dirty="0">
+                <a:solidFill>
+                  <a:srgbClr val="000000"/>
+                </a:solidFill>
+              </a:rPr>
+              <a:t>in a query result based on the values of some attribute(s)</a:t>
             </a:r>
           </a:p>
           <a:p>
@@ -7678,17 +7702,567 @@
               <a:t>Query </a:t>
             </a:r>
             <a:r>
+              <a:rPr lang="en-US" altLang="en-US" sz="3600" u="sng" dirty="0">
+                <a:solidFill>
+                  <a:srgbClr val="FF0000"/>
+                </a:solidFill>
+              </a:rPr>
+              <a:t>Show the effect of</a:t>
+            </a:r>
+            <a:r>
               <a:rPr lang="en-US" altLang="en-US" sz="2400" dirty="0">
                 <a:solidFill>
                   <a:srgbClr val="000000"/>
                 </a:solidFill>
               </a:rPr>
-              <a:t>Show the effect of giving all employees who work in department no 5 a 10% raise.</a:t>
+              <a:t> giving all employees who work in department no 5 a 10% raise</a:t>
+            </a:r>
+            <a:r>
+              <a:rPr lang="en-US" altLang="en-US" sz="2400" dirty="0" smtClean="0">
+                <a:solidFill>
+                  <a:schemeClr val="accent1">
+                    <a:lumMod val="60000"/>
+                    <a:lumOff val="40000"/>
+                  </a:schemeClr>
+                </a:solidFill>
+              </a:rPr>
+              <a:t>.( in reality database k </a:t>
+            </a:r>
+            <a:r>
+              <a:rPr lang="en-US" altLang="en-US" sz="2400" dirty="0" err="1" smtClean="0">
+                <a:solidFill>
+                  <a:schemeClr val="accent1">
+                    <a:lumMod val="60000"/>
+                    <a:lumOff val="40000"/>
+                  </a:schemeClr>
+                </a:solidFill>
+              </a:rPr>
+              <a:t>upar</a:t>
+            </a:r>
+            <a:r>
+              <a:rPr lang="en-US" altLang="en-US" sz="2400" dirty="0" smtClean="0">
+                <a:solidFill>
+                  <a:schemeClr val="accent1">
+                    <a:lumMod val="60000"/>
+                    <a:lumOff val="40000"/>
+                  </a:schemeClr>
+                </a:solidFill>
+              </a:rPr>
+              <a:t> apply </a:t>
+            </a:r>
+            <a:r>
+              <a:rPr lang="en-US" altLang="en-US" sz="2400" dirty="0" err="1" smtClean="0">
+                <a:solidFill>
+                  <a:schemeClr val="accent1">
+                    <a:lumMod val="60000"/>
+                    <a:lumOff val="40000"/>
+                  </a:schemeClr>
+                </a:solidFill>
+              </a:rPr>
+              <a:t>nhi</a:t>
+            </a:r>
+            <a:r>
+              <a:rPr lang="en-US" altLang="en-US" sz="2400" dirty="0" smtClean="0">
+                <a:solidFill>
+                  <a:schemeClr val="accent1">
+                    <a:lumMod val="60000"/>
+                    <a:lumOff val="40000"/>
+                  </a:schemeClr>
+                </a:solidFill>
+              </a:rPr>
+              <a:t> </a:t>
+            </a:r>
+            <a:r>
+              <a:rPr lang="en-US" altLang="en-US" sz="2400" dirty="0" err="1" smtClean="0">
+                <a:solidFill>
+                  <a:schemeClr val="accent1">
+                    <a:lumMod val="60000"/>
+                    <a:lumOff val="40000"/>
+                  </a:schemeClr>
+                </a:solidFill>
+              </a:rPr>
+              <a:t>hou</a:t>
+            </a:r>
+            <a:r>
+              <a:rPr lang="en-US" altLang="en-US" sz="2400" dirty="0" smtClean="0">
+                <a:solidFill>
+                  <a:schemeClr val="accent1">
+                    <a:lumMod val="60000"/>
+                    <a:lumOff val="40000"/>
+                  </a:schemeClr>
+                </a:solidFill>
+              </a:rPr>
+              <a:t> </a:t>
+            </a:r>
+            <a:r>
+              <a:rPr lang="en-US" altLang="en-US" sz="2400" dirty="0" err="1" smtClean="0">
+                <a:solidFill>
+                  <a:schemeClr val="accent1">
+                    <a:lumMod val="60000"/>
+                    <a:lumOff val="40000"/>
+                  </a:schemeClr>
+                </a:solidFill>
+              </a:rPr>
+              <a:t>rha</a:t>
+            </a:r>
+            <a:r>
+              <a:rPr lang="en-US" altLang="en-US" sz="2400" dirty="0" smtClean="0">
+                <a:solidFill>
+                  <a:schemeClr val="accent1">
+                    <a:lumMod val="60000"/>
+                    <a:lumOff val="40000"/>
+                  </a:schemeClr>
+                </a:solidFill>
+              </a:rPr>
+              <a:t> , </a:t>
+            </a:r>
+            <a:r>
+              <a:rPr lang="en-US" altLang="en-US" sz="2400" dirty="0" err="1" smtClean="0">
+                <a:solidFill>
+                  <a:schemeClr val="accent1">
+                    <a:lumMod val="60000"/>
+                    <a:lumOff val="40000"/>
+                  </a:schemeClr>
+                </a:solidFill>
+              </a:rPr>
+              <a:t>bss</a:t>
+            </a:r>
+            <a:r>
+              <a:rPr lang="en-US" altLang="en-US" sz="2400" dirty="0" smtClean="0">
+                <a:solidFill>
+                  <a:schemeClr val="accent1">
+                    <a:lumMod val="60000"/>
+                    <a:lumOff val="40000"/>
+                  </a:schemeClr>
+                </a:solidFill>
+              </a:rPr>
+              <a:t> select k through apply </a:t>
+            </a:r>
+            <a:r>
+              <a:rPr lang="en-US" altLang="en-US" sz="2400" dirty="0" err="1" smtClean="0">
+                <a:solidFill>
+                  <a:schemeClr val="accent1">
+                    <a:lumMod val="60000"/>
+                    <a:lumOff val="40000"/>
+                  </a:schemeClr>
+                </a:solidFill>
+              </a:rPr>
+              <a:t>kr</a:t>
+            </a:r>
+            <a:r>
+              <a:rPr lang="en-US" altLang="en-US" sz="2400" dirty="0" smtClean="0">
+                <a:solidFill>
+                  <a:schemeClr val="accent1">
+                    <a:lumMod val="60000"/>
+                    <a:lumOff val="40000"/>
+                  </a:schemeClr>
+                </a:solidFill>
+              </a:rPr>
+              <a:t> </a:t>
+            </a:r>
+            <a:r>
+              <a:rPr lang="en-US" altLang="en-US" sz="2400" dirty="0" err="1" smtClean="0">
+                <a:solidFill>
+                  <a:schemeClr val="accent1">
+                    <a:lumMod val="60000"/>
+                    <a:lumOff val="40000"/>
+                  </a:schemeClr>
+                </a:solidFill>
+              </a:rPr>
+              <a:t>rhy</a:t>
+            </a:r>
+            <a:r>
+              <a:rPr lang="en-US" altLang="en-US" sz="2400" dirty="0" smtClean="0">
+                <a:solidFill>
+                  <a:schemeClr val="accent1">
+                    <a:lumMod val="60000"/>
+                    <a:lumOff val="40000"/>
+                  </a:schemeClr>
+                </a:solidFill>
+              </a:rPr>
+              <a:t> </a:t>
+            </a:r>
+            <a:r>
+              <a:rPr lang="en-US" altLang="en-US" sz="2400" dirty="0" err="1" smtClean="0">
+                <a:solidFill>
+                  <a:schemeClr val="accent1">
+                    <a:lumMod val="60000"/>
+                    <a:lumOff val="40000"/>
+                  </a:schemeClr>
+                </a:solidFill>
+              </a:rPr>
+              <a:t>hain</a:t>
+            </a:r>
+            <a:r>
+              <a:rPr lang="en-US" altLang="en-US" sz="2400" dirty="0">
+                <a:solidFill>
+                  <a:schemeClr val="accent1">
+                    <a:lumMod val="60000"/>
+                    <a:lumOff val="40000"/>
+                  </a:schemeClr>
+                </a:solidFill>
+              </a:rPr>
+              <a:t> </a:t>
+            </a:r>
+            <a:r>
+              <a:rPr lang="en-US" altLang="en-US" sz="2400" dirty="0" smtClean="0">
+                <a:solidFill>
+                  <a:schemeClr val="accent1">
+                    <a:lumMod val="60000"/>
+                    <a:lumOff val="40000"/>
+                  </a:schemeClr>
+                </a:solidFill>
+              </a:rPr>
+              <a:t>, select is just used to retrieve data </a:t>
+            </a:r>
+            <a:r>
+              <a:rPr lang="en-US" altLang="en-US" sz="2400" dirty="0" err="1" smtClean="0">
+                <a:solidFill>
+                  <a:schemeClr val="accent1">
+                    <a:lumMod val="60000"/>
+                    <a:lumOff val="40000"/>
+                  </a:schemeClr>
+                </a:solidFill>
+              </a:rPr>
+              <a:t>tou</a:t>
+            </a:r>
+            <a:r>
+              <a:rPr lang="en-US" altLang="en-US" sz="2400" dirty="0" smtClean="0">
+                <a:solidFill>
+                  <a:schemeClr val="accent1">
+                    <a:lumMod val="60000"/>
+                    <a:lumOff val="40000"/>
+                  </a:schemeClr>
+                </a:solidFill>
+              </a:rPr>
+              <a:t> </a:t>
+            </a:r>
+            <a:r>
+              <a:rPr lang="en-US" altLang="en-US" sz="2400" dirty="0" err="1" smtClean="0">
+                <a:solidFill>
+                  <a:schemeClr val="accent1">
+                    <a:lumMod val="60000"/>
+                    <a:lumOff val="40000"/>
+                  </a:schemeClr>
+                </a:solidFill>
+              </a:rPr>
+              <a:t>jou</a:t>
+            </a:r>
+            <a:r>
+              <a:rPr lang="en-US" altLang="en-US" sz="2400" dirty="0" smtClean="0">
+                <a:solidFill>
+                  <a:schemeClr val="accent1">
+                    <a:lumMod val="60000"/>
+                    <a:lumOff val="40000"/>
+                  </a:schemeClr>
+                </a:solidFill>
+              </a:rPr>
+              <a:t> data retrieve </a:t>
+            </a:r>
+            <a:r>
+              <a:rPr lang="en-US" altLang="en-US" sz="2400" dirty="0" err="1" smtClean="0">
+                <a:solidFill>
+                  <a:schemeClr val="accent1">
+                    <a:lumMod val="60000"/>
+                    <a:lumOff val="40000"/>
+                  </a:schemeClr>
+                </a:solidFill>
+              </a:rPr>
+              <a:t>houga</a:t>
+            </a:r>
+            <a:r>
+              <a:rPr lang="en-US" altLang="en-US" sz="2400" dirty="0" smtClean="0">
+                <a:solidFill>
+                  <a:schemeClr val="accent1">
+                    <a:lumMod val="60000"/>
+                    <a:lumOff val="40000"/>
+                  </a:schemeClr>
+                </a:solidFill>
+              </a:rPr>
+              <a:t> </a:t>
+            </a:r>
+            <a:r>
+              <a:rPr lang="en-US" altLang="en-US" sz="2400" dirty="0" err="1" smtClean="0">
+                <a:solidFill>
+                  <a:schemeClr val="accent1">
+                    <a:lumMod val="60000"/>
+                    <a:lumOff val="40000"/>
+                  </a:schemeClr>
+                </a:solidFill>
+              </a:rPr>
+              <a:t>usky</a:t>
+            </a:r>
+            <a:r>
+              <a:rPr lang="en-US" altLang="en-US" sz="2400" dirty="0" smtClean="0">
+                <a:solidFill>
+                  <a:schemeClr val="accent1">
+                    <a:lumMod val="60000"/>
+                    <a:lumOff val="40000"/>
+                  </a:schemeClr>
+                </a:solidFill>
+              </a:rPr>
+              <a:t> </a:t>
+            </a:r>
+            <a:r>
+              <a:rPr lang="en-US" altLang="en-US" sz="2400" dirty="0" err="1" smtClean="0">
+                <a:solidFill>
+                  <a:schemeClr val="accent1">
+                    <a:lumMod val="60000"/>
+                    <a:lumOff val="40000"/>
+                  </a:schemeClr>
+                </a:solidFill>
+              </a:rPr>
+              <a:t>upar</a:t>
+            </a:r>
+            <a:r>
+              <a:rPr lang="en-US" altLang="en-US" sz="2400" dirty="0" smtClean="0">
+                <a:solidFill>
+                  <a:schemeClr val="accent1">
+                    <a:lumMod val="60000"/>
+                    <a:lumOff val="40000"/>
+                  </a:schemeClr>
+                </a:solidFill>
+              </a:rPr>
+              <a:t> </a:t>
+            </a:r>
+            <a:r>
+              <a:rPr lang="en-US" altLang="en-US" sz="2400" dirty="0" err="1" smtClean="0">
+                <a:solidFill>
+                  <a:schemeClr val="accent1">
+                    <a:lumMod val="60000"/>
+                    <a:lumOff val="40000"/>
+                  </a:schemeClr>
+                </a:solidFill>
+              </a:rPr>
+              <a:t>bss</a:t>
+            </a:r>
+            <a:r>
+              <a:rPr lang="en-US" altLang="en-US" sz="2400" dirty="0" smtClean="0">
+                <a:solidFill>
+                  <a:schemeClr val="accent1">
+                    <a:lumMod val="60000"/>
+                    <a:lumOff val="40000"/>
+                  </a:schemeClr>
+                </a:solidFill>
+              </a:rPr>
+              <a:t> arithmetic operation </a:t>
+            </a:r>
+            <a:r>
+              <a:rPr lang="en-US" altLang="en-US" sz="2400" dirty="0" err="1" smtClean="0">
+                <a:solidFill>
+                  <a:schemeClr val="accent1">
+                    <a:lumMod val="60000"/>
+                    <a:lumOff val="40000"/>
+                  </a:schemeClr>
+                </a:solidFill>
+              </a:rPr>
+              <a:t>ka</a:t>
+            </a:r>
+            <a:r>
+              <a:rPr lang="en-US" altLang="en-US" sz="2400" dirty="0" smtClean="0">
+                <a:solidFill>
+                  <a:schemeClr val="accent1">
+                    <a:lumMod val="60000"/>
+                    <a:lumOff val="40000"/>
+                  </a:schemeClr>
+                </a:solidFill>
+              </a:rPr>
+              <a:t> result </a:t>
+            </a:r>
+            <a:r>
+              <a:rPr lang="en-US" altLang="en-US" sz="2400" dirty="0" err="1" smtClean="0">
+                <a:solidFill>
+                  <a:schemeClr val="accent1">
+                    <a:lumMod val="60000"/>
+                    <a:lumOff val="40000"/>
+                  </a:schemeClr>
+                </a:solidFill>
+              </a:rPr>
+              <a:t>dikhaey</a:t>
+            </a:r>
+            <a:r>
+              <a:rPr lang="en-US" altLang="en-US" sz="2400" dirty="0" smtClean="0">
+                <a:solidFill>
+                  <a:schemeClr val="accent1">
+                    <a:lumMod val="60000"/>
+                    <a:lumOff val="40000"/>
+                  </a:schemeClr>
+                </a:solidFill>
+              </a:rPr>
+              <a:t> </a:t>
+            </a:r>
+            <a:r>
+              <a:rPr lang="en-US" altLang="en-US" sz="2400" dirty="0" err="1" smtClean="0">
+                <a:solidFill>
+                  <a:schemeClr val="accent1">
+                    <a:lumMod val="60000"/>
+                    <a:lumOff val="40000"/>
+                  </a:schemeClr>
+                </a:solidFill>
+              </a:rPr>
+              <a:t>ga</a:t>
+            </a:r>
+            <a:r>
+              <a:rPr lang="en-US" altLang="en-US" sz="2400" dirty="0" smtClean="0">
+                <a:solidFill>
+                  <a:schemeClr val="accent1">
+                    <a:lumMod val="60000"/>
+                    <a:lumOff val="40000"/>
+                  </a:schemeClr>
+                </a:solidFill>
+              </a:rPr>
+              <a:t> </a:t>
+            </a:r>
+            <a:r>
+              <a:rPr lang="en-US" altLang="en-US" sz="2400" dirty="0" err="1" smtClean="0">
+                <a:solidFill>
+                  <a:schemeClr val="accent1">
+                    <a:lumMod val="60000"/>
+                    <a:lumOff val="40000"/>
+                  </a:schemeClr>
+                </a:solidFill>
+              </a:rPr>
+              <a:t>lekin</a:t>
+            </a:r>
+            <a:r>
+              <a:rPr lang="en-US" altLang="en-US" sz="2400" dirty="0" smtClean="0">
+                <a:solidFill>
+                  <a:schemeClr val="accent1">
+                    <a:lumMod val="60000"/>
+                    <a:lumOff val="40000"/>
+                  </a:schemeClr>
+                </a:solidFill>
+              </a:rPr>
+              <a:t> in actuality </a:t>
+            </a:r>
+            <a:r>
+              <a:rPr lang="en-US" altLang="en-US" sz="2400" dirty="0" err="1" smtClean="0">
+                <a:solidFill>
+                  <a:schemeClr val="accent1">
+                    <a:lumMod val="60000"/>
+                    <a:lumOff val="40000"/>
+                  </a:schemeClr>
+                </a:solidFill>
+              </a:rPr>
+              <a:t>usky</a:t>
+            </a:r>
+            <a:r>
+              <a:rPr lang="en-US" altLang="en-US" sz="2400" dirty="0" smtClean="0">
+                <a:solidFill>
+                  <a:schemeClr val="accent1">
+                    <a:lumMod val="60000"/>
+                    <a:lumOff val="40000"/>
+                  </a:schemeClr>
+                </a:solidFill>
+              </a:rPr>
+              <a:t> </a:t>
+            </a:r>
+            <a:r>
+              <a:rPr lang="en-US" altLang="en-US" sz="2400" dirty="0" err="1" smtClean="0">
+                <a:solidFill>
+                  <a:schemeClr val="accent1">
+                    <a:lumMod val="60000"/>
+                    <a:lumOff val="40000"/>
+                  </a:schemeClr>
+                </a:solidFill>
+              </a:rPr>
+              <a:t>upar</a:t>
+            </a:r>
+            <a:r>
+              <a:rPr lang="en-US" altLang="en-US" sz="2400" dirty="0" smtClean="0">
+                <a:solidFill>
+                  <a:schemeClr val="accent1">
+                    <a:lumMod val="60000"/>
+                    <a:lumOff val="40000"/>
+                  </a:schemeClr>
+                </a:solidFill>
+              </a:rPr>
+              <a:t> apply </a:t>
+            </a:r>
+            <a:r>
+              <a:rPr lang="en-US" altLang="en-US" sz="2400" dirty="0" err="1" smtClean="0">
+                <a:solidFill>
+                  <a:schemeClr val="accent1">
+                    <a:lumMod val="60000"/>
+                    <a:lumOff val="40000"/>
+                  </a:schemeClr>
+                </a:solidFill>
+              </a:rPr>
+              <a:t>nhi</a:t>
+            </a:r>
+            <a:r>
+              <a:rPr lang="en-US" altLang="en-US" sz="2400" dirty="0" smtClean="0">
+                <a:solidFill>
+                  <a:schemeClr val="accent1">
+                    <a:lumMod val="60000"/>
+                    <a:lumOff val="40000"/>
+                  </a:schemeClr>
+                </a:solidFill>
+              </a:rPr>
+              <a:t> </a:t>
+            </a:r>
+            <a:r>
+              <a:rPr lang="en-US" altLang="en-US" sz="2400" dirty="0" err="1" smtClean="0">
+                <a:solidFill>
+                  <a:schemeClr val="accent1">
+                    <a:lumMod val="60000"/>
+                    <a:lumOff val="40000"/>
+                  </a:schemeClr>
+                </a:solidFill>
+              </a:rPr>
+              <a:t>krey</a:t>
+            </a:r>
+            <a:r>
+              <a:rPr lang="en-US" altLang="en-US" sz="2400" dirty="0" smtClean="0">
+                <a:solidFill>
+                  <a:schemeClr val="accent1">
+                    <a:lumMod val="60000"/>
+                    <a:lumOff val="40000"/>
+                  </a:schemeClr>
+                </a:solidFill>
+              </a:rPr>
+              <a:t> </a:t>
+            </a:r>
+            <a:r>
+              <a:rPr lang="en-US" altLang="en-US" sz="2400" dirty="0" err="1" smtClean="0">
+                <a:solidFill>
+                  <a:schemeClr val="accent1">
+                    <a:lumMod val="60000"/>
+                    <a:lumOff val="40000"/>
+                  </a:schemeClr>
+                </a:solidFill>
+              </a:rPr>
+              <a:t>ga</a:t>
+            </a:r>
+            <a:r>
+              <a:rPr lang="en-US" altLang="en-US" sz="2400" dirty="0" smtClean="0">
+                <a:solidFill>
+                  <a:schemeClr val="accent1">
+                    <a:lumMod val="60000"/>
+                    <a:lumOff val="40000"/>
+                  </a:schemeClr>
+                </a:solidFill>
+              </a:rPr>
+              <a:t> ).</a:t>
+            </a:r>
+            <a:r>
+              <a:rPr lang="en-US" altLang="en-US" sz="2400" dirty="0">
+                <a:solidFill>
+                  <a:schemeClr val="accent1">
+                    <a:lumMod val="60000"/>
+                    <a:lumOff val="40000"/>
+                  </a:schemeClr>
+                </a:solidFill>
+              </a:rPr>
+              <a:t/>
             </a:r>
             <a:br>
               <a:rPr lang="en-US" altLang="en-US" sz="2400" dirty="0">
                 <a:solidFill>
-                  <a:srgbClr val="000000"/>
+                  <a:schemeClr val="accent1">
+                    <a:lumMod val="60000"/>
+                    <a:lumOff val="40000"/>
+                  </a:schemeClr>
                 </a:solidFill>
               </a:rPr>
             </a:br>
@@ -8451,20 +9025,28 @@
               <a:t>The </a:t>
             </a:r>
             <a:r>
-              <a:rPr lang="en-US" altLang="en-US" b="1" dirty="0">
-                <a:solidFill>
-                  <a:srgbClr val="000000"/>
+              <a:rPr lang="en-US" altLang="en-US" b="1" u="sng" dirty="0">
+                <a:solidFill>
+                  <a:srgbClr val="FF0000"/>
                 </a:solidFill>
               </a:rPr>
               <a:t>LIKE</a:t>
             </a:r>
             <a:r>
+              <a:rPr lang="en-US" altLang="en-US" u="sng" dirty="0">
+                <a:solidFill>
+                  <a:srgbClr val="FF0000"/>
+                </a:solidFill>
+              </a:rPr>
+              <a:t> comparison operator </a:t>
+            </a:r>
+            <a:r>
               <a:rPr lang="en-US" altLang="en-US" dirty="0">
                 <a:solidFill>
                   <a:srgbClr val="000000"/>
                 </a:solidFill>
               </a:rPr>
-              <a:t> comparison operator is used to compare partial strings</a:t>
+              <a:t>is used to compare partial strings</a:t>
             </a:r>
           </a:p>
           <a:p>
@@ -8713,12 +9295,20 @@
                   <a:srgbClr val="000000"/>
                 </a:solidFill>
               </a:rPr>
-              <a:t>WHERE	ADDRESS LIKE  '%</a:t>
+              <a:t>WHERE	ADDRESS </a:t>
+            </a:r>
+            <a:r>
+              <a:rPr lang="en-US" altLang="en-US" sz="2400" b="1" dirty="0">
+                <a:solidFill>
+                  <a:srgbClr val="FF0000"/>
+                </a:solidFill>
+              </a:rPr>
+              <a:t>LIKE  '%</a:t>
             </a:r>
             <a:r>
               <a:rPr lang="en-US" altLang="en-US" sz="2400" b="1" dirty="0" err="1">
                 <a:solidFill>
-                  <a:srgbClr val="000000"/>
+                  <a:srgbClr val="FF0000"/>
                 </a:solidFill>
               </a:rPr>
               <a:t>Houston,TX</a:t>
@@ -8726,14 +9316,14 @@
             <a:r>
               <a:rPr lang="en-US" altLang="en-US" sz="2400" b="1" dirty="0">
                 <a:solidFill>
-                  <a:srgbClr val="000000"/>
+                  <a:srgbClr val="FF0000"/>
                 </a:solidFill>
               </a:rPr>
               <a:t>%’</a:t>
             </a:r>
             <a:endParaRPr lang="en-US" altLang="en-US" sz="2400" dirty="0">
               <a:solidFill>
-                <a:srgbClr val="000000"/>
+                <a:srgbClr val="FF0000"/>
               </a:solidFill>
             </a:endParaRPr>
           </a:p>
@@ -9066,7 +9656,23 @@
                   <a:srgbClr val="000000"/>
                 </a:solidFill>
               </a:rPr>
-              <a:t>In its simplest form, it is used to add one or more tuples/rows to a relation/table</a:t>
+              <a:t>In its simplest form, it is used to </a:t>
+            </a:r>
+            <a:r>
+              <a:rPr lang="en-US" altLang="en-US" dirty="0">
+                <a:solidFill>
+                  <a:srgbClr val="FF0000"/>
+                </a:solidFill>
+              </a:rPr>
+              <a:t>add one or more tuples/rows </a:t>
+            </a:r>
+            <a:r>
+              <a:rPr lang="en-US" altLang="en-US" dirty="0">
+                <a:solidFill>
+                  <a:srgbClr val="000000"/>
+                </a:solidFill>
+              </a:rPr>
+              <a:t>to a relation/table</a:t>
             </a:r>
           </a:p>
           <a:p>
@@ -12516,11 +13122,11 @@
   <p:clrMapOvr>
     <a:masterClrMapping/>
   </p:clrMapOvr>
-  <mc:AlternateContent xmlns:mc="http://schemas.openxmlformats.org/markup-compatibility/2006">
-    <mc:Choice xmlns:p14="http://schemas.microsoft.com/office/powerpoint/2010/main" Requires="p14">
+  <mc:AlternateContent xmlns:mc="http://schemas.openxmlformats.org/markup-compatibility/2006" xmlns:p14="http://schemas.microsoft.com/office/powerpoint/2010/main">
+    <mc:Choice Requires="p14">
       <p:transition spd="slow" p14:dur="2000"/>
     </mc:Choice>
-    <mc:Fallback>
+    <mc:Fallback xmlns="">
       <p:transition spd="slow"/>
     </mc:Fallback>
   </mc:AlternateContent>
@@ -13079,11 +13685,11 @@
   <p:clrMapOvr>
     <a:masterClrMapping/>
   </p:clrMapOvr>
-  <mc:AlternateContent xmlns:mc="http://schemas.openxmlformats.org/markup-compatibility/2006">
-    <mc:Choice xmlns:p14="http://schemas.microsoft.com/office/powerpoint/2010/main" Requires="p14">
+  <mc:AlternateContent xmlns:mc="http://schemas.openxmlformats.org/markup-compatibility/2006" xmlns:p14="http://schemas.microsoft.com/office/powerpoint/2010/main">
+    <mc:Choice Requires="p14">
       <p:transition spd="slow" p14:dur="2000"/>
     </mc:Choice>
-    <mc:Fallback>
+    <mc:Fallback xmlns="">
       <p:transition spd="slow"/>
     </mc:Fallback>
   </mc:AlternateContent>
@@ -13355,10 +13961,34 @@
             <a:r>
               <a:rPr lang="en-US" sz="2400" dirty="0">
                 <a:solidFill>
-                  <a:srgbClr val="000000"/>
-                </a:solidFill>
-              </a:rPr>
-              <a:t>Removes tuples from a relation</a:t>
+                  <a:srgbClr val="FF0000"/>
+                </a:solidFill>
+              </a:rPr>
+              <a:t>Removes </a:t>
+            </a:r>
+            <a:r>
+              <a:rPr lang="en-US" sz="2400" dirty="0" smtClean="0">
+                <a:solidFill>
+                  <a:srgbClr val="FF0000"/>
+                </a:solidFill>
+              </a:rPr>
+              <a:t>tuples/rows</a:t>
+            </a:r>
+            <a:r>
+              <a:rPr lang="en-US" sz="2400" dirty="0" smtClean="0">
+                <a:solidFill>
+                  <a:srgbClr val="000000"/>
+                </a:solidFill>
+              </a:rPr>
+              <a:t> </a:t>
+            </a:r>
+            <a:r>
+              <a:rPr lang="en-US" sz="2400" dirty="0">
+                <a:solidFill>
+                  <a:srgbClr val="000000"/>
+                </a:solidFill>
+              </a:rPr>
+              <a:t>from a relation</a:t>
             </a:r>
           </a:p>
           <a:p>
@@ -13371,7 +14001,15 @@
                   <a:srgbClr val="000000"/>
                 </a:solidFill>
               </a:rPr>
-              <a:t>Includes a WHERE-clause to select the tuples/rows to be deleted</a:t>
+              <a:t>Includes a </a:t>
+            </a:r>
+            <a:r>
+              <a:rPr lang="en-US" sz="2400" dirty="0">
+                <a:solidFill>
+                  <a:srgbClr val="FF0000"/>
+                </a:solidFill>
+              </a:rPr>
+              <a:t>WHERE-clause to select the tuples/rows to be deleted</a:t>
             </a:r>
           </a:p>
           <a:p>

--- a/Databasae management system/theory/course material/Lecture 6 DML 1  S23.pptx
+++ b/Databasae management system/theory/course material/Lecture 6 DML 1  S23.pptx
@@ -238,7 +238,7 @@
           <a:p>
             <a:fld id="{F910BE5B-A45E-4D1B-A5A4-7705D6639D5D}" type="datetimeFigureOut">
               <a:rPr lang="en-US" smtClean="0"/>
-              <a:t>11/24/2024</a:t>
+              <a:t>12/13/2024</a:t>
             </a:fld>
             <a:endParaRPr lang="en-US"/>
           </a:p>
@@ -835,7 +835,7 @@
           <a:p>
             <a:fld id="{93EB094D-46BC-4CE0-A53F-2C7E4F5AF85F}" type="datetimeFigureOut">
               <a:rPr lang="en-US" smtClean="0"/>
-              <a:t>11/24/2024</a:t>
+              <a:t>12/13/2024</a:t>
             </a:fld>
             <a:endParaRPr lang="en-US"/>
           </a:p>
@@ -1043,7 +1043,7 @@
           <a:p>
             <a:fld id="{93EB094D-46BC-4CE0-A53F-2C7E4F5AF85F}" type="datetimeFigureOut">
               <a:rPr lang="en-US" smtClean="0"/>
-              <a:t>11/24/2024</a:t>
+              <a:t>12/13/2024</a:t>
             </a:fld>
             <a:endParaRPr lang="en-US"/>
           </a:p>
@@ -1299,7 +1299,7 @@
           <a:p>
             <a:fld id="{93EB094D-46BC-4CE0-A53F-2C7E4F5AF85F}" type="datetimeFigureOut">
               <a:rPr lang="en-US" smtClean="0"/>
-              <a:t>11/24/2024</a:t>
+              <a:t>12/13/2024</a:t>
             </a:fld>
             <a:endParaRPr lang="en-US"/>
           </a:p>
@@ -1473,7 +1473,7 @@
           <a:p>
             <a:fld id="{93EB094D-46BC-4CE0-A53F-2C7E4F5AF85F}" type="datetimeFigureOut">
               <a:rPr lang="en-US" smtClean="0"/>
-              <a:t>11/24/2024</a:t>
+              <a:t>12/13/2024</a:t>
             </a:fld>
             <a:endParaRPr lang="en-US"/>
           </a:p>
@@ -1816,7 +1816,7 @@
           <a:p>
             <a:fld id="{93EB094D-46BC-4CE0-A53F-2C7E4F5AF85F}" type="datetimeFigureOut">
               <a:rPr lang="en-US" smtClean="0"/>
-              <a:t>11/24/2024</a:t>
+              <a:t>12/13/2024</a:t>
             </a:fld>
             <a:endParaRPr lang="en-US"/>
           </a:p>
@@ -2091,7 +2091,7 @@
           <a:p>
             <a:fld id="{93EB094D-46BC-4CE0-A53F-2C7E4F5AF85F}" type="datetimeFigureOut">
               <a:rPr lang="en-US" smtClean="0"/>
-              <a:t>11/24/2024</a:t>
+              <a:t>12/13/2024</a:t>
             </a:fld>
             <a:endParaRPr lang="en-US"/>
           </a:p>
@@ -2470,7 +2470,7 @@
           <a:p>
             <a:fld id="{93EB094D-46BC-4CE0-A53F-2C7E4F5AF85F}" type="datetimeFigureOut">
               <a:rPr lang="en-US" smtClean="0"/>
-              <a:t>11/24/2024</a:t>
+              <a:t>12/13/2024</a:t>
             </a:fld>
             <a:endParaRPr lang="en-US"/>
           </a:p>
@@ -2588,7 +2588,7 @@
           <a:p>
             <a:fld id="{93EB094D-46BC-4CE0-A53F-2C7E4F5AF85F}" type="datetimeFigureOut">
               <a:rPr lang="en-US" smtClean="0"/>
-              <a:t>11/24/2024</a:t>
+              <a:t>12/13/2024</a:t>
             </a:fld>
             <a:endParaRPr lang="en-US"/>
           </a:p>
@@ -2759,7 +2759,7 @@
           <a:p>
             <a:fld id="{93EB094D-46BC-4CE0-A53F-2C7E4F5AF85F}" type="datetimeFigureOut">
               <a:rPr lang="en-US" smtClean="0"/>
-              <a:t>11/24/2024</a:t>
+              <a:t>12/13/2024</a:t>
             </a:fld>
             <a:endParaRPr lang="en-US"/>
           </a:p>
@@ -3113,7 +3113,7 @@
           <a:p>
             <a:fld id="{93EB094D-46BC-4CE0-A53F-2C7E4F5AF85F}" type="datetimeFigureOut">
               <a:rPr lang="en-US" smtClean="0"/>
-              <a:t>11/24/2024</a:t>
+              <a:t>12/13/2024</a:t>
             </a:fld>
             <a:endParaRPr lang="en-US"/>
           </a:p>
@@ -3495,7 +3495,7 @@
           <a:p>
             <a:fld id="{93EB094D-46BC-4CE0-A53F-2C7E4F5AF85F}" type="datetimeFigureOut">
               <a:rPr lang="en-US" smtClean="0"/>
-              <a:t>11/24/2024</a:t>
+              <a:t>12/13/2024</a:t>
             </a:fld>
             <a:endParaRPr lang="en-US"/>
           </a:p>
@@ -3782,7 +3782,7 @@
           <a:p>
             <a:fld id="{93EB094D-46BC-4CE0-A53F-2C7E4F5AF85F}" type="datetimeFigureOut">
               <a:rPr lang="en-US" smtClean="0"/>
-              <a:t>11/24/2024</a:t>
+              <a:t>12/13/2024</a:t>
             </a:fld>
             <a:endParaRPr lang="en-US"/>
           </a:p>
@@ -4311,7 +4311,7 @@
           <p:cNvPr id="2" name="Title 1">
             <a:extLst>
               <a:ext uri="{FF2B5EF4-FFF2-40B4-BE49-F238E27FC236}">
-                <a16:creationId xmlns:a16="http://schemas.microsoft.com/office/drawing/2014/main" xmlns="" id="{6BE6A886-6272-4388-81E7-6985128BEE73}"/>
+                <a16:creationId xmlns="" xmlns:a16="http://schemas.microsoft.com/office/drawing/2014/main" id="{6BE6A886-6272-4388-81E7-6985128BEE73}"/>
               </a:ext>
             </a:extLst>
           </p:cNvPr>
@@ -4339,7 +4339,7 @@
           <p:cNvPr id="3" name="Subtitle 2">
             <a:extLst>
               <a:ext uri="{FF2B5EF4-FFF2-40B4-BE49-F238E27FC236}">
-                <a16:creationId xmlns:a16="http://schemas.microsoft.com/office/drawing/2014/main" xmlns="" id="{0A12BA86-F477-46A3-843B-AD12D34F1ECD}"/>
+                <a16:creationId xmlns="" xmlns:a16="http://schemas.microsoft.com/office/drawing/2014/main" id="{0A12BA86-F477-46A3-843B-AD12D34F1ECD}"/>
               </a:ext>
             </a:extLst>
           </p:cNvPr>
@@ -4408,7 +4408,7 @@
           <p:cNvPr id="523266" name="Rectangle 2">
             <a:extLst>
               <a:ext uri="{FF2B5EF4-FFF2-40B4-BE49-F238E27FC236}">
-                <a16:creationId xmlns:a16="http://schemas.microsoft.com/office/drawing/2014/main" xmlns="" id="{A2B06E2E-9792-4B68-802C-EA8DD86E6940}"/>
+                <a16:creationId xmlns="" xmlns:a16="http://schemas.microsoft.com/office/drawing/2014/main" id="{A2B06E2E-9792-4B68-802C-EA8DD86E6940}"/>
               </a:ext>
             </a:extLst>
           </p:cNvPr>
@@ -4451,7 +4451,7 @@
           <p:cNvPr id="38915" name="Rectangle 3">
             <a:extLst>
               <a:ext uri="{FF2B5EF4-FFF2-40B4-BE49-F238E27FC236}">
-                <a16:creationId xmlns:a16="http://schemas.microsoft.com/office/drawing/2014/main" xmlns="" id="{1DAA4CAD-5166-4906-A998-986D9041ABF5}"/>
+                <a16:creationId xmlns="" xmlns:a16="http://schemas.microsoft.com/office/drawing/2014/main" id="{1DAA4CAD-5166-4906-A998-986D9041ABF5}"/>
               </a:ext>
             </a:extLst>
           </p:cNvPr>
@@ -4531,7 +4531,7 @@
           <p:cNvPr id="581634" name="Rectangle 2">
             <a:extLst>
               <a:ext uri="{FF2B5EF4-FFF2-40B4-BE49-F238E27FC236}">
-                <a16:creationId xmlns:a16="http://schemas.microsoft.com/office/drawing/2014/main" xmlns="" id="{F0EF4056-2E10-46BE-BE6B-16C79C3BFD28}"/>
+                <a16:creationId xmlns="" xmlns:a16="http://schemas.microsoft.com/office/drawing/2014/main" id="{F0EF4056-2E10-46BE-BE6B-16C79C3BFD28}"/>
               </a:ext>
             </a:extLst>
           </p:cNvPr>
@@ -4574,7 +4574,7 @@
           <p:cNvPr id="39939" name="Rectangle 3">
             <a:extLst>
               <a:ext uri="{FF2B5EF4-FFF2-40B4-BE49-F238E27FC236}">
-                <a16:creationId xmlns:a16="http://schemas.microsoft.com/office/drawing/2014/main" xmlns="" id="{9D3B2BD0-D213-474A-AFED-51022AACBE83}"/>
+                <a16:creationId xmlns="" xmlns:a16="http://schemas.microsoft.com/office/drawing/2014/main" id="{9D3B2BD0-D213-474A-AFED-51022AACBE83}"/>
               </a:ext>
             </a:extLst>
           </p:cNvPr>
@@ -4725,7 +4725,7 @@
           <p:cNvPr id="582658" name="Rectangle 2">
             <a:extLst>
               <a:ext uri="{FF2B5EF4-FFF2-40B4-BE49-F238E27FC236}">
-                <a16:creationId xmlns:a16="http://schemas.microsoft.com/office/drawing/2014/main" xmlns="" id="{091CA5A6-06E1-4CB0-90F7-3146FB1A9830}"/>
+                <a16:creationId xmlns="" xmlns:a16="http://schemas.microsoft.com/office/drawing/2014/main" id="{091CA5A6-06E1-4CB0-90F7-3146FB1A9830}"/>
               </a:ext>
             </a:extLst>
           </p:cNvPr>
@@ -4768,7 +4768,7 @@
           <p:cNvPr id="40963" name="Rectangle 3">
             <a:extLst>
               <a:ext uri="{FF2B5EF4-FFF2-40B4-BE49-F238E27FC236}">
-                <a16:creationId xmlns:a16="http://schemas.microsoft.com/office/drawing/2014/main" xmlns="" id="{BA863E3F-9001-4695-AB39-08A6D95CCB1E}"/>
+                <a16:creationId xmlns="" xmlns:a16="http://schemas.microsoft.com/office/drawing/2014/main" id="{BA863E3F-9001-4695-AB39-08A6D95CCB1E}"/>
               </a:ext>
             </a:extLst>
           </p:cNvPr>
@@ -4958,7 +4958,7 @@
           <p:cNvPr id="491522" name="Rectangle 2">
             <a:extLst>
               <a:ext uri="{FF2B5EF4-FFF2-40B4-BE49-F238E27FC236}">
-                <a16:creationId xmlns:a16="http://schemas.microsoft.com/office/drawing/2014/main" xmlns="" id="{E8D424DD-5B0A-41CB-A66B-3E3FB4000856}"/>
+                <a16:creationId xmlns="" xmlns:a16="http://schemas.microsoft.com/office/drawing/2014/main" id="{E8D424DD-5B0A-41CB-A66B-3E3FB4000856}"/>
               </a:ext>
             </a:extLst>
           </p:cNvPr>
@@ -5009,7 +5009,7 @@
           <p:cNvPr id="41987" name="Rectangle 3">
             <a:extLst>
               <a:ext uri="{FF2B5EF4-FFF2-40B4-BE49-F238E27FC236}">
-                <a16:creationId xmlns:a16="http://schemas.microsoft.com/office/drawing/2014/main" xmlns="" id="{0B357C01-25A3-4643-9260-8B3F84FBFE07}"/>
+                <a16:creationId xmlns="" xmlns:a16="http://schemas.microsoft.com/office/drawing/2014/main" id="{0B357C01-25A3-4643-9260-8B3F84FBFE07}"/>
               </a:ext>
             </a:extLst>
           </p:cNvPr>
@@ -5080,7 +5080,7 @@
           <p:cNvPr id="532482" name="Rectangle 2">
             <a:extLst>
               <a:ext uri="{FF2B5EF4-FFF2-40B4-BE49-F238E27FC236}">
-                <a16:creationId xmlns:a16="http://schemas.microsoft.com/office/drawing/2014/main" xmlns="" id="{A5B2837A-ADAF-4E68-98EF-84061A217DD3}"/>
+                <a16:creationId xmlns="" xmlns:a16="http://schemas.microsoft.com/office/drawing/2014/main" id="{A5B2837A-ADAF-4E68-98EF-84061A217DD3}"/>
               </a:ext>
             </a:extLst>
           </p:cNvPr>
@@ -5123,7 +5123,7 @@
           <p:cNvPr id="43011" name="Rectangle 3">
             <a:extLst>
               <a:ext uri="{FF2B5EF4-FFF2-40B4-BE49-F238E27FC236}">
-                <a16:creationId xmlns:a16="http://schemas.microsoft.com/office/drawing/2014/main" xmlns="" id="{C4F88779-4806-4E9B-A442-4B56265BA8DB}"/>
+                <a16:creationId xmlns="" xmlns:a16="http://schemas.microsoft.com/office/drawing/2014/main" id="{C4F88779-4806-4E9B-A442-4B56265BA8DB}"/>
               </a:ext>
             </a:extLst>
           </p:cNvPr>
@@ -5313,7 +5313,7 @@
           <p:cNvPr id="598018" name="Rectangle 2">
             <a:extLst>
               <a:ext uri="{FF2B5EF4-FFF2-40B4-BE49-F238E27FC236}">
-                <a16:creationId xmlns:a16="http://schemas.microsoft.com/office/drawing/2014/main" xmlns="" id="{2D26DB91-B973-41B3-BFD3-69C7A5DD1375}"/>
+                <a16:creationId xmlns="" xmlns:a16="http://schemas.microsoft.com/office/drawing/2014/main" id="{2D26DB91-B973-41B3-BFD3-69C7A5DD1375}"/>
               </a:ext>
             </a:extLst>
           </p:cNvPr>
@@ -5375,7 +5375,7 @@
           <p:cNvPr id="45059" name="Picture 5" descr="31755_FIG0706r.gif                                             0001035BEeyore                         B91DCF3B:">
             <a:extLst>
               <a:ext uri="{FF2B5EF4-FFF2-40B4-BE49-F238E27FC236}">
-                <a16:creationId xmlns:a16="http://schemas.microsoft.com/office/drawing/2014/main" xmlns="" id="{F9BBA896-E3A9-4E42-8A66-CCFDD0AA7F78}"/>
+                <a16:creationId xmlns="" xmlns:a16="http://schemas.microsoft.com/office/drawing/2014/main" id="{F9BBA896-E3A9-4E42-8A66-CCFDD0AA7F78}"/>
               </a:ext>
             </a:extLst>
           </p:cNvPr>
@@ -5437,7 +5437,7 @@
           <p:cNvPr id="535554" name="Rectangle 2">
             <a:extLst>
               <a:ext uri="{FF2B5EF4-FFF2-40B4-BE49-F238E27FC236}">
-                <a16:creationId xmlns:a16="http://schemas.microsoft.com/office/drawing/2014/main" xmlns="" id="{4CFF8BED-587F-418E-848F-9EBE5C6DC173}"/>
+                <a16:creationId xmlns="" xmlns:a16="http://schemas.microsoft.com/office/drawing/2014/main" id="{4CFF8BED-587F-418E-848F-9EBE5C6DC173}"/>
               </a:ext>
             </a:extLst>
           </p:cNvPr>
@@ -5480,7 +5480,7 @@
           <p:cNvPr id="47107" name="Rectangle 3">
             <a:extLst>
               <a:ext uri="{FF2B5EF4-FFF2-40B4-BE49-F238E27FC236}">
-                <a16:creationId xmlns:a16="http://schemas.microsoft.com/office/drawing/2014/main" xmlns="" id="{7A0D2D09-A910-4ED3-BFA7-8E41FED505B0}"/>
+                <a16:creationId xmlns="" xmlns:a16="http://schemas.microsoft.com/office/drawing/2014/main" id="{7A0D2D09-A910-4ED3-BFA7-8E41FED505B0}"/>
               </a:ext>
             </a:extLst>
           </p:cNvPr>
@@ -5589,7 +5589,7 @@
           <p:cNvPr id="3" name="Picture 2">
             <a:extLst>
               <a:ext uri="{FF2B5EF4-FFF2-40B4-BE49-F238E27FC236}">
-                <a16:creationId xmlns:a16="http://schemas.microsoft.com/office/drawing/2014/main" xmlns="" id="{96E07CD8-21BF-497C-8AB0-650AEA987197}"/>
+                <a16:creationId xmlns="" xmlns:a16="http://schemas.microsoft.com/office/drawing/2014/main" id="{96E07CD8-21BF-497C-8AB0-650AEA987197}"/>
               </a:ext>
             </a:extLst>
           </p:cNvPr>
@@ -5643,7 +5643,7 @@
           <p:cNvPr id="535554" name="Rectangle 2">
             <a:extLst>
               <a:ext uri="{FF2B5EF4-FFF2-40B4-BE49-F238E27FC236}">
-                <a16:creationId xmlns:a16="http://schemas.microsoft.com/office/drawing/2014/main" xmlns="" id="{4CFF8BED-587F-418E-848F-9EBE5C6DC173}"/>
+                <a16:creationId xmlns="" xmlns:a16="http://schemas.microsoft.com/office/drawing/2014/main" id="{4CFF8BED-587F-418E-848F-9EBE5C6DC173}"/>
               </a:ext>
             </a:extLst>
           </p:cNvPr>
@@ -5686,7 +5686,7 @@
           <p:cNvPr id="47107" name="Rectangle 3">
             <a:extLst>
               <a:ext uri="{FF2B5EF4-FFF2-40B4-BE49-F238E27FC236}">
-                <a16:creationId xmlns:a16="http://schemas.microsoft.com/office/drawing/2014/main" xmlns="" id="{7A0D2D09-A910-4ED3-BFA7-8E41FED505B0}"/>
+                <a16:creationId xmlns="" xmlns:a16="http://schemas.microsoft.com/office/drawing/2014/main" id="{7A0D2D09-A910-4ED3-BFA7-8E41FED505B0}"/>
               </a:ext>
             </a:extLst>
           </p:cNvPr>
@@ -5795,7 +5795,7 @@
           <p:cNvPr id="3" name="Picture 2">
             <a:extLst>
               <a:ext uri="{FF2B5EF4-FFF2-40B4-BE49-F238E27FC236}">
-                <a16:creationId xmlns:a16="http://schemas.microsoft.com/office/drawing/2014/main" xmlns="" id="{2365D3B5-8660-4657-A1BD-7BE878330B55}"/>
+                <a16:creationId xmlns="" xmlns:a16="http://schemas.microsoft.com/office/drawing/2014/main" id="{2365D3B5-8660-4657-A1BD-7BE878330B55}"/>
               </a:ext>
             </a:extLst>
           </p:cNvPr>
@@ -5855,7 +5855,7 @@
           <p:cNvPr id="534530" name="Rectangle 2">
             <a:extLst>
               <a:ext uri="{FF2B5EF4-FFF2-40B4-BE49-F238E27FC236}">
-                <a16:creationId xmlns:a16="http://schemas.microsoft.com/office/drawing/2014/main" xmlns="" id="{D8197028-80AF-41CA-9654-E66F1FC2478E}"/>
+                <a16:creationId xmlns="" xmlns:a16="http://schemas.microsoft.com/office/drawing/2014/main" id="{D8197028-80AF-41CA-9654-E66F1FC2478E}"/>
               </a:ext>
             </a:extLst>
           </p:cNvPr>
@@ -5898,7 +5898,7 @@
           <p:cNvPr id="534531" name="Rectangle 3">
             <a:extLst>
               <a:ext uri="{FF2B5EF4-FFF2-40B4-BE49-F238E27FC236}">
-                <a16:creationId xmlns:a16="http://schemas.microsoft.com/office/drawing/2014/main" xmlns="" id="{1AFDCE5A-1504-43E6-8670-1F40399A71DC}"/>
+                <a16:creationId xmlns="" xmlns:a16="http://schemas.microsoft.com/office/drawing/2014/main" id="{1AFDCE5A-1504-43E6-8670-1F40399A71DC}"/>
               </a:ext>
             </a:extLst>
           </p:cNvPr>
@@ -6034,7 +6034,7 @@
           <p:cNvPr id="3" name="Picture 2">
             <a:extLst>
               <a:ext uri="{FF2B5EF4-FFF2-40B4-BE49-F238E27FC236}">
-                <a16:creationId xmlns:a16="http://schemas.microsoft.com/office/drawing/2014/main" xmlns="" id="{0FF0897B-AED2-43F9-8F5D-20DA6B16CEFF}"/>
+                <a16:creationId xmlns="" xmlns:a16="http://schemas.microsoft.com/office/drawing/2014/main" id="{0FF0897B-AED2-43F9-8F5D-20DA6B16CEFF}"/>
               </a:ext>
             </a:extLst>
           </p:cNvPr>
@@ -6089,7 +6089,7 @@
           <p:cNvPr id="2" name="Title 1">
             <a:extLst>
               <a:ext uri="{FF2B5EF4-FFF2-40B4-BE49-F238E27FC236}">
-                <a16:creationId xmlns:a16="http://schemas.microsoft.com/office/drawing/2014/main" xmlns="" id="{98517F09-C804-452E-993A-1A2D33B58604}"/>
+                <a16:creationId xmlns="" xmlns:a16="http://schemas.microsoft.com/office/drawing/2014/main" id="{98517F09-C804-452E-993A-1A2D33B58604}"/>
               </a:ext>
             </a:extLst>
           </p:cNvPr>
@@ -6117,7 +6117,7 @@
           <p:cNvPr id="3" name="Content Placeholder 2">
             <a:extLst>
               <a:ext uri="{FF2B5EF4-FFF2-40B4-BE49-F238E27FC236}">
-                <a16:creationId xmlns:a16="http://schemas.microsoft.com/office/drawing/2014/main" xmlns="" id="{CADC319F-7DC2-4D34-B447-11679D781AD7}"/>
+                <a16:creationId xmlns="" xmlns:a16="http://schemas.microsoft.com/office/drawing/2014/main" id="{CADC319F-7DC2-4D34-B447-11679D781AD7}"/>
               </a:ext>
             </a:extLst>
           </p:cNvPr>
@@ -6204,7 +6204,7 @@
           <p:cNvPr id="520194" name="Rectangle 2">
             <a:extLst>
               <a:ext uri="{FF2B5EF4-FFF2-40B4-BE49-F238E27FC236}">
-                <a16:creationId xmlns:a16="http://schemas.microsoft.com/office/drawing/2014/main" xmlns="" id="{6015EAE7-3606-4FB2-946A-BACD70CD067C}"/>
+                <a16:creationId xmlns="" xmlns:a16="http://schemas.microsoft.com/office/drawing/2014/main" id="{6015EAE7-3606-4FB2-946A-BACD70CD067C}"/>
               </a:ext>
             </a:extLst>
           </p:cNvPr>
@@ -6247,7 +6247,7 @@
           <p:cNvPr id="31747" name="Rectangle 3">
             <a:extLst>
               <a:ext uri="{FF2B5EF4-FFF2-40B4-BE49-F238E27FC236}">
-                <a16:creationId xmlns:a16="http://schemas.microsoft.com/office/drawing/2014/main" xmlns="" id="{37B2A925-71F4-4FB2-B5BE-90A17E154666}"/>
+                <a16:creationId xmlns="" xmlns:a16="http://schemas.microsoft.com/office/drawing/2014/main" id="{37B2A925-71F4-4FB2-B5BE-90A17E154666}"/>
               </a:ext>
             </a:extLst>
           </p:cNvPr>
@@ -6305,7 +6305,7 @@
           <p:cNvPr id="503810" name="Rectangle 2">
             <a:extLst>
               <a:ext uri="{FF2B5EF4-FFF2-40B4-BE49-F238E27FC236}">
-                <a16:creationId xmlns:a16="http://schemas.microsoft.com/office/drawing/2014/main" xmlns="" id="{0C2A1CB9-EA03-4567-8DAF-A4DED04DC5B5}"/>
+                <a16:creationId xmlns="" xmlns:a16="http://schemas.microsoft.com/office/drawing/2014/main" id="{0C2A1CB9-EA03-4567-8DAF-A4DED04DC5B5}"/>
               </a:ext>
             </a:extLst>
           </p:cNvPr>
@@ -6389,7 +6389,7 @@
           <p:cNvPr id="4" name="Text Placeholder 3">
             <a:extLst>
               <a:ext uri="{FF2B5EF4-FFF2-40B4-BE49-F238E27FC236}">
-                <a16:creationId xmlns:a16="http://schemas.microsoft.com/office/drawing/2014/main" xmlns="" id="{980E8DE1-897F-4DBA-AC92-3F0BA6431041}"/>
+                <a16:creationId xmlns="" xmlns:a16="http://schemas.microsoft.com/office/drawing/2014/main" id="{980E8DE1-897F-4DBA-AC92-3F0BA6431041}"/>
               </a:ext>
             </a:extLst>
           </p:cNvPr>
@@ -6463,7 +6463,7 @@
           <p:cNvPr id="503811" name="Rectangle 3">
             <a:extLst>
               <a:ext uri="{FF2B5EF4-FFF2-40B4-BE49-F238E27FC236}">
-                <a16:creationId xmlns:a16="http://schemas.microsoft.com/office/drawing/2014/main" xmlns="" id="{568C1705-7118-43FE-864B-B8552CECAD80}"/>
+                <a16:creationId xmlns="" xmlns:a16="http://schemas.microsoft.com/office/drawing/2014/main" id="{568C1705-7118-43FE-864B-B8552CECAD80}"/>
               </a:ext>
             </a:extLst>
           </p:cNvPr>
@@ -6536,7 +6536,7 @@
           <p:cNvPr id="5" name="Text Placeholder 4">
             <a:extLst>
               <a:ext uri="{FF2B5EF4-FFF2-40B4-BE49-F238E27FC236}">
-                <a16:creationId xmlns:a16="http://schemas.microsoft.com/office/drawing/2014/main" xmlns="" id="{38223393-B4E7-463E-807A-1E3577A554C5}"/>
+                <a16:creationId xmlns="" xmlns:a16="http://schemas.microsoft.com/office/drawing/2014/main" id="{38223393-B4E7-463E-807A-1E3577A554C5}"/>
               </a:ext>
             </a:extLst>
           </p:cNvPr>
@@ -6599,7 +6599,7 @@
           <p:cNvPr id="6" name="Content Placeholder 5">
             <a:extLst>
               <a:ext uri="{FF2B5EF4-FFF2-40B4-BE49-F238E27FC236}">
-                <a16:creationId xmlns:a16="http://schemas.microsoft.com/office/drawing/2014/main" xmlns="" id="{941CAAD2-A693-40E3-831D-9758A6A8DE73}"/>
+                <a16:creationId xmlns="" xmlns:a16="http://schemas.microsoft.com/office/drawing/2014/main" id="{941CAAD2-A693-40E3-831D-9758A6A8DE73}"/>
               </a:ext>
             </a:extLst>
           </p:cNvPr>
@@ -6626,7 +6626,7 @@
           <p:cNvPr id="3" name="Picture 2">
             <a:extLst>
               <a:ext uri="{FF2B5EF4-FFF2-40B4-BE49-F238E27FC236}">
-                <a16:creationId xmlns:a16="http://schemas.microsoft.com/office/drawing/2014/main" xmlns="" id="{CEA019B8-6174-466F-8382-02E5FD8D6F4A}"/>
+                <a16:creationId xmlns="" xmlns:a16="http://schemas.microsoft.com/office/drawing/2014/main" id="{CEA019B8-6174-466F-8382-02E5FD8D6F4A}"/>
               </a:ext>
             </a:extLst>
           </p:cNvPr>
@@ -6656,7 +6656,7 @@
           <p:cNvPr id="8" name="Picture 7">
             <a:extLst>
               <a:ext uri="{FF2B5EF4-FFF2-40B4-BE49-F238E27FC236}">
-                <a16:creationId xmlns:a16="http://schemas.microsoft.com/office/drawing/2014/main" xmlns="" id="{11828551-F550-4F9B-963A-DA1819225E7D}"/>
+                <a16:creationId xmlns="" xmlns:a16="http://schemas.microsoft.com/office/drawing/2014/main" id="{11828551-F550-4F9B-963A-DA1819225E7D}"/>
               </a:ext>
             </a:extLst>
           </p:cNvPr>
@@ -6716,7 +6716,7 @@
           <p:cNvPr id="518146" name="Rectangle 2">
             <a:extLst>
               <a:ext uri="{FF2B5EF4-FFF2-40B4-BE49-F238E27FC236}">
-                <a16:creationId xmlns:a16="http://schemas.microsoft.com/office/drawing/2014/main" xmlns="" id="{D3435528-809B-497D-93EC-070650695C97}"/>
+                <a16:creationId xmlns="" xmlns:a16="http://schemas.microsoft.com/office/drawing/2014/main" id="{D3435528-809B-497D-93EC-070650695C97}"/>
               </a:ext>
             </a:extLst>
           </p:cNvPr>
@@ -6759,7 +6759,7 @@
           <p:cNvPr id="62467" name="Rectangle 3">
             <a:extLst>
               <a:ext uri="{FF2B5EF4-FFF2-40B4-BE49-F238E27FC236}">
-                <a16:creationId xmlns:a16="http://schemas.microsoft.com/office/drawing/2014/main" xmlns="" id="{83D97859-D73B-4F9F-9C06-8BFE309F96CE}"/>
+                <a16:creationId xmlns="" xmlns:a16="http://schemas.microsoft.com/office/drawing/2014/main" id="{83D97859-D73B-4F9F-9C06-8BFE309F96CE}"/>
               </a:ext>
             </a:extLst>
           </p:cNvPr>
@@ -6946,7 +6946,7 @@
           <p:cNvPr id="593922" name="Rectangle 2">
             <a:extLst>
               <a:ext uri="{FF2B5EF4-FFF2-40B4-BE49-F238E27FC236}">
-                <a16:creationId xmlns:a16="http://schemas.microsoft.com/office/drawing/2014/main" xmlns="" id="{CBD2B610-89E0-426D-803C-8E579512924F}"/>
+                <a16:creationId xmlns="" xmlns:a16="http://schemas.microsoft.com/office/drawing/2014/main" id="{CBD2B610-89E0-426D-803C-8E579512924F}"/>
               </a:ext>
             </a:extLst>
           </p:cNvPr>
@@ -6989,7 +6989,7 @@
           <p:cNvPr id="64515" name="Rectangle 3">
             <a:extLst>
               <a:ext uri="{FF2B5EF4-FFF2-40B4-BE49-F238E27FC236}">
-                <a16:creationId xmlns:a16="http://schemas.microsoft.com/office/drawing/2014/main" xmlns="" id="{512D26DD-02F0-4139-B563-F7109E3174EF}"/>
+                <a16:creationId xmlns="" xmlns:a16="http://schemas.microsoft.com/office/drawing/2014/main" id="{512D26DD-02F0-4139-B563-F7109E3174EF}"/>
               </a:ext>
             </a:extLst>
           </p:cNvPr>
@@ -7159,7 +7159,7 @@
           <p:cNvPr id="593922" name="Rectangle 2">
             <a:extLst>
               <a:ext uri="{FF2B5EF4-FFF2-40B4-BE49-F238E27FC236}">
-                <a16:creationId xmlns:a16="http://schemas.microsoft.com/office/drawing/2014/main" xmlns="" id="{CBD2B610-89E0-426D-803C-8E579512924F}"/>
+                <a16:creationId xmlns="" xmlns:a16="http://schemas.microsoft.com/office/drawing/2014/main" id="{CBD2B610-89E0-426D-803C-8E579512924F}"/>
               </a:ext>
             </a:extLst>
           </p:cNvPr>
@@ -7202,7 +7202,7 @@
           <p:cNvPr id="64515" name="Rectangle 3">
             <a:extLst>
               <a:ext uri="{FF2B5EF4-FFF2-40B4-BE49-F238E27FC236}">
-                <a16:creationId xmlns:a16="http://schemas.microsoft.com/office/drawing/2014/main" xmlns="" id="{512D26DD-02F0-4139-B563-F7109E3174EF}"/>
+                <a16:creationId xmlns="" xmlns:a16="http://schemas.microsoft.com/office/drawing/2014/main" id="{512D26DD-02F0-4139-B563-F7109E3174EF}"/>
               </a:ext>
             </a:extLst>
           </p:cNvPr>
@@ -7380,7 +7380,7 @@
           <p:cNvPr id="2" name="Title 1">
             <a:extLst>
               <a:ext uri="{FF2B5EF4-FFF2-40B4-BE49-F238E27FC236}">
-                <a16:creationId xmlns:a16="http://schemas.microsoft.com/office/drawing/2014/main" xmlns="" id="{C8696174-E97E-47F8-802F-5B5CFD5E524C}"/>
+                <a16:creationId xmlns="" xmlns:a16="http://schemas.microsoft.com/office/drawing/2014/main" id="{C8696174-E97E-47F8-802F-5B5CFD5E524C}"/>
               </a:ext>
             </a:extLst>
           </p:cNvPr>
@@ -7418,7 +7418,7 @@
           <p:cNvPr id="3" name="Content Placeholder 2">
             <a:extLst>
               <a:ext uri="{FF2B5EF4-FFF2-40B4-BE49-F238E27FC236}">
-                <a16:creationId xmlns:a16="http://schemas.microsoft.com/office/drawing/2014/main" xmlns="" id="{BDD69E22-DA80-473F-BB20-613C67163E23}"/>
+                <a16:creationId xmlns="" xmlns:a16="http://schemas.microsoft.com/office/drawing/2014/main" id="{BDD69E22-DA80-473F-BB20-613C67163E23}"/>
               </a:ext>
             </a:extLst>
           </p:cNvPr>
@@ -7610,7 +7610,7 @@
           <p:cNvPr id="517122" name="Rectangle 2">
             <a:extLst>
               <a:ext uri="{FF2B5EF4-FFF2-40B4-BE49-F238E27FC236}">
-                <a16:creationId xmlns:a16="http://schemas.microsoft.com/office/drawing/2014/main" xmlns="" id="{E151F5B1-BA6F-429A-9C5E-7CE1B6F5D932}"/>
+                <a16:creationId xmlns="" xmlns:a16="http://schemas.microsoft.com/office/drawing/2014/main" id="{E151F5B1-BA6F-429A-9C5E-7CE1B6F5D932}"/>
               </a:ext>
             </a:extLst>
           </p:cNvPr>
@@ -7653,7 +7653,7 @@
           <p:cNvPr id="60419" name="Rectangle 3">
             <a:extLst>
               <a:ext uri="{FF2B5EF4-FFF2-40B4-BE49-F238E27FC236}">
-                <a16:creationId xmlns:a16="http://schemas.microsoft.com/office/drawing/2014/main" xmlns="" id="{64E2CC6F-79F3-4915-9693-12BA6A099F2E}"/>
+                <a16:creationId xmlns="" xmlns:a16="http://schemas.microsoft.com/office/drawing/2014/main" id="{64E2CC6F-79F3-4915-9693-12BA6A099F2E}"/>
               </a:ext>
             </a:extLst>
           </p:cNvPr>
@@ -8378,7 +8378,7 @@
           <p:cNvPr id="2" name="Title 1">
             <a:extLst>
               <a:ext uri="{FF2B5EF4-FFF2-40B4-BE49-F238E27FC236}">
-                <a16:creationId xmlns:a16="http://schemas.microsoft.com/office/drawing/2014/main" xmlns="" id="{F4573C43-7DED-4EF4-B338-438364CB410E}"/>
+                <a16:creationId xmlns="" xmlns:a16="http://schemas.microsoft.com/office/drawing/2014/main" id="{F4573C43-7DED-4EF4-B338-438364CB410E}"/>
               </a:ext>
             </a:extLst>
           </p:cNvPr>
@@ -8427,7 +8427,7 @@
           <p:cNvPr id="3" name="Content Placeholder 2">
             <a:extLst>
               <a:ext uri="{FF2B5EF4-FFF2-40B4-BE49-F238E27FC236}">
-                <a16:creationId xmlns:a16="http://schemas.microsoft.com/office/drawing/2014/main" xmlns="" id="{10D743F2-7FB1-4F14-B998-79A60EBA0A4F}"/>
+                <a16:creationId xmlns="" xmlns:a16="http://schemas.microsoft.com/office/drawing/2014/main" id="{10D743F2-7FB1-4F14-B998-79A60EBA0A4F}"/>
               </a:ext>
             </a:extLst>
           </p:cNvPr>
@@ -8440,7 +8440,9 @@
         </p:nvSpPr>
         <p:spPr/>
         <p:txBody>
-          <a:bodyPr/>
+          <a:bodyPr>
+            <a:normAutofit fontScale="92500" lnSpcReduction="10000"/>
+          </a:bodyPr>
           <a:lstStyle/>
           <a:p>
             <a:pPr marL="342900" marR="0" lvl="0" indent="-342900">
@@ -8765,6 +8767,56 @@
               </a:rPr>
               <a:t>Show information of employees who have no supervisor. </a:t>
             </a:r>
+            <a:endParaRPr lang="en-US" sz="1800" dirty="0" smtClean="0">
+              <a:effectLst/>
+              <a:latin typeface="Calibri" panose="020F0502020204030204" pitchFamily="34" charset="0"/>
+              <a:ea typeface="Calibri" panose="020F0502020204030204" pitchFamily="34" charset="0"/>
+              <a:cs typeface="Times New Roman" panose="02020603050405020304" pitchFamily="18" charset="0"/>
+            </a:endParaRPr>
+          </a:p>
+          <a:p>
+            <a:pPr marL="0" marR="0" lvl="0" indent="0">
+              <a:lnSpc>
+                <a:spcPct val="107000"/>
+              </a:lnSpc>
+              <a:spcBef>
+                <a:spcPts val="0"/>
+              </a:spcBef>
+              <a:spcAft>
+                <a:spcPts val="0"/>
+              </a:spcAft>
+              <a:buNone/>
+            </a:pPr>
+            <a:r>
+              <a:rPr lang="en-US" sz="1800" dirty="0" smtClean="0">
+                <a:latin typeface="Calibri" panose="020F0502020204030204" pitchFamily="34" charset="0"/>
+                <a:ea typeface="Calibri" panose="020F0502020204030204" pitchFamily="34" charset="0"/>
+                <a:cs typeface="Times New Roman" panose="02020603050405020304" pitchFamily="18" charset="0"/>
+              </a:rPr>
+              <a:t>Select* from employees where </a:t>
+            </a:r>
+            <a:r>
+              <a:rPr lang="en-US" sz="1800" dirty="0" err="1" smtClean="0">
+                <a:latin typeface="Calibri" panose="020F0502020204030204" pitchFamily="34" charset="0"/>
+                <a:ea typeface="Calibri" panose="020F0502020204030204" pitchFamily="34" charset="0"/>
+                <a:cs typeface="Times New Roman" panose="02020603050405020304" pitchFamily="18" charset="0"/>
+              </a:rPr>
+              <a:t>supervisior</a:t>
+            </a:r>
+            <a:r>
+              <a:rPr lang="en-US" sz="1800" dirty="0" smtClean="0">
+                <a:latin typeface="Calibri" panose="020F0502020204030204" pitchFamily="34" charset="0"/>
+                <a:ea typeface="Calibri" panose="020F0502020204030204" pitchFamily="34" charset="0"/>
+                <a:cs typeface="Times New Roman" panose="02020603050405020304" pitchFamily="18" charset="0"/>
+              </a:rPr>
+              <a:t> is null;</a:t>
+            </a:r>
+            <a:endParaRPr lang="en-US" sz="1800" dirty="0">
+              <a:effectLst/>
+              <a:latin typeface="Calibri" panose="020F0502020204030204" pitchFamily="34" charset="0"/>
+              <a:ea typeface="Calibri" panose="020F0502020204030204" pitchFamily="34" charset="0"/>
+              <a:cs typeface="Times New Roman" panose="02020603050405020304" pitchFamily="18" charset="0"/>
+            </a:endParaRPr>
           </a:p>
           <a:p>
             <a:pPr marL="342900" marR="0" lvl="0" indent="-342900">
@@ -8807,6 +8859,120 @@
               </a:rPr>
               <a:t> of employees whose address is saved in our database. </a:t>
             </a:r>
+            <a:endParaRPr lang="en-US" sz="1800" dirty="0" smtClean="0">
+              <a:effectLst/>
+              <a:latin typeface="Calibri" panose="020F0502020204030204" pitchFamily="34" charset="0"/>
+              <a:ea typeface="Calibri" panose="020F0502020204030204" pitchFamily="34" charset="0"/>
+              <a:cs typeface="Times New Roman" panose="02020603050405020304" pitchFamily="18" charset="0"/>
+            </a:endParaRPr>
+          </a:p>
+          <a:p>
+            <a:pPr marL="0" marR="0" lvl="0" indent="0">
+              <a:lnSpc>
+                <a:spcPct val="107000"/>
+              </a:lnSpc>
+              <a:spcBef>
+                <a:spcPts val="0"/>
+              </a:spcBef>
+              <a:spcAft>
+                <a:spcPts val="0"/>
+              </a:spcAft>
+              <a:buNone/>
+            </a:pPr>
+            <a:r>
+              <a:rPr lang="en-US" sz="1800" dirty="0" smtClean="0">
+                <a:latin typeface="Calibri" panose="020F0502020204030204" pitchFamily="34" charset="0"/>
+                <a:ea typeface="Calibri" panose="020F0502020204030204" pitchFamily="34" charset="0"/>
+                <a:cs typeface="Times New Roman" panose="02020603050405020304" pitchFamily="18" charset="0"/>
+              </a:rPr>
+              <a:t>Select* from employees where address is not null;( agar save </a:t>
+            </a:r>
+            <a:r>
+              <a:rPr lang="en-US" sz="1800" dirty="0" err="1" smtClean="0">
+                <a:latin typeface="Calibri" panose="020F0502020204030204" pitchFamily="34" charset="0"/>
+                <a:ea typeface="Calibri" panose="020F0502020204030204" pitchFamily="34" charset="0"/>
+                <a:cs typeface="Times New Roman" panose="02020603050405020304" pitchFamily="18" charset="0"/>
+              </a:rPr>
+              <a:t>nhi</a:t>
+            </a:r>
+            <a:r>
+              <a:rPr lang="en-US" sz="1800" dirty="0" smtClean="0">
+                <a:latin typeface="Calibri" panose="020F0502020204030204" pitchFamily="34" charset="0"/>
+                <a:ea typeface="Calibri" panose="020F0502020204030204" pitchFamily="34" charset="0"/>
+                <a:cs typeface="Times New Roman" panose="02020603050405020304" pitchFamily="18" charset="0"/>
+              </a:rPr>
+              <a:t> </a:t>
+            </a:r>
+            <a:r>
+              <a:rPr lang="en-US" sz="1800" dirty="0" err="1" smtClean="0">
+                <a:latin typeface="Calibri" panose="020F0502020204030204" pitchFamily="34" charset="0"/>
+                <a:ea typeface="Calibri" panose="020F0502020204030204" pitchFamily="34" charset="0"/>
+                <a:cs typeface="Times New Roman" panose="02020603050405020304" pitchFamily="18" charset="0"/>
+              </a:rPr>
+              <a:t>houga</a:t>
+            </a:r>
+            <a:r>
+              <a:rPr lang="en-US" sz="1800" dirty="0" smtClean="0">
+                <a:latin typeface="Calibri" panose="020F0502020204030204" pitchFamily="34" charset="0"/>
+                <a:ea typeface="Calibri" panose="020F0502020204030204" pitchFamily="34" charset="0"/>
+                <a:cs typeface="Times New Roman" panose="02020603050405020304" pitchFamily="18" charset="0"/>
+              </a:rPr>
+              <a:t> address </a:t>
+            </a:r>
+            <a:r>
+              <a:rPr lang="en-US" sz="1800" dirty="0" err="1" smtClean="0">
+                <a:latin typeface="Calibri" panose="020F0502020204030204" pitchFamily="34" charset="0"/>
+                <a:ea typeface="Calibri" panose="020F0502020204030204" pitchFamily="34" charset="0"/>
+                <a:cs typeface="Times New Roman" panose="02020603050405020304" pitchFamily="18" charset="0"/>
+              </a:rPr>
+              <a:t>tou</a:t>
+            </a:r>
+            <a:r>
+              <a:rPr lang="en-US" sz="1800" dirty="0" smtClean="0">
+                <a:latin typeface="Calibri" panose="020F0502020204030204" pitchFamily="34" charset="0"/>
+                <a:ea typeface="Calibri" panose="020F0502020204030204" pitchFamily="34" charset="0"/>
+                <a:cs typeface="Times New Roman" panose="02020603050405020304" pitchFamily="18" charset="0"/>
+              </a:rPr>
+              <a:t> null a </a:t>
+            </a:r>
+            <a:r>
+              <a:rPr lang="en-US" sz="1800" dirty="0" err="1" smtClean="0">
+                <a:latin typeface="Calibri" panose="020F0502020204030204" pitchFamily="34" charset="0"/>
+                <a:ea typeface="Calibri" panose="020F0502020204030204" pitchFamily="34" charset="0"/>
+                <a:cs typeface="Times New Roman" panose="02020603050405020304" pitchFamily="18" charset="0"/>
+              </a:rPr>
+              <a:t>rha</a:t>
+            </a:r>
+            <a:r>
+              <a:rPr lang="en-US" sz="1800" dirty="0" smtClean="0">
+                <a:latin typeface="Calibri" panose="020F0502020204030204" pitchFamily="34" charset="0"/>
+                <a:ea typeface="Calibri" panose="020F0502020204030204" pitchFamily="34" charset="0"/>
+                <a:cs typeface="Times New Roman" panose="02020603050405020304" pitchFamily="18" charset="0"/>
+              </a:rPr>
+              <a:t> </a:t>
+            </a:r>
+            <a:r>
+              <a:rPr lang="en-US" sz="1800" dirty="0" err="1" smtClean="0">
+                <a:latin typeface="Calibri" panose="020F0502020204030204" pitchFamily="34" charset="0"/>
+                <a:ea typeface="Calibri" panose="020F0502020204030204" pitchFamily="34" charset="0"/>
+                <a:cs typeface="Times New Roman" panose="02020603050405020304" pitchFamily="18" charset="0"/>
+              </a:rPr>
+              <a:t>houga</a:t>
+            </a:r>
+            <a:r>
+              <a:rPr lang="en-US" sz="1800" dirty="0">
+                <a:latin typeface="Calibri" panose="020F0502020204030204" pitchFamily="34" charset="0"/>
+                <a:ea typeface="Calibri" panose="020F0502020204030204" pitchFamily="34" charset="0"/>
+                <a:cs typeface="Times New Roman" panose="02020603050405020304" pitchFamily="18" charset="0"/>
+              </a:rPr>
+              <a:t>)</a:t>
+            </a:r>
+            <a:endParaRPr lang="en-US" sz="1800" dirty="0">
+              <a:effectLst/>
+              <a:latin typeface="Calibri" panose="020F0502020204030204" pitchFamily="34" charset="0"/>
+              <a:ea typeface="Calibri" panose="020F0502020204030204" pitchFamily="34" charset="0"/>
+              <a:cs typeface="Times New Roman" panose="02020603050405020304" pitchFamily="18" charset="0"/>
+            </a:endParaRPr>
           </a:p>
           <a:p>
             <a:pPr marL="342900" marR="0" lvl="0" indent="-342900">
@@ -8865,8 +9031,41 @@
                 <a:ea typeface="Calibri" panose="020F0502020204030204" pitchFamily="34" charset="0"/>
                 <a:cs typeface="Times New Roman" panose="02020603050405020304" pitchFamily="18" charset="0"/>
               </a:rPr>
-              <a:t> of all employees. </a:t>
-            </a:r>
+              <a:t> of all employees</a:t>
+            </a:r>
+            <a:r>
+              <a:rPr lang="en-US" sz="1800" dirty="0" smtClean="0">
+                <a:effectLst/>
+                <a:latin typeface="Calibri" panose="020F0502020204030204" pitchFamily="34" charset="0"/>
+                <a:ea typeface="Calibri" panose="020F0502020204030204" pitchFamily="34" charset="0"/>
+                <a:cs typeface="Times New Roman" panose="02020603050405020304" pitchFamily="18" charset="0"/>
+              </a:rPr>
+              <a:t>. Select distinct </a:t>
+            </a:r>
+            <a:r>
+              <a:rPr lang="en-US" sz="1800" dirty="0" err="1" smtClean="0">
+                <a:effectLst/>
+                <a:latin typeface="Calibri" panose="020F0502020204030204" pitchFamily="34" charset="0"/>
+                <a:ea typeface="Calibri" panose="020F0502020204030204" pitchFamily="34" charset="0"/>
+                <a:cs typeface="Times New Roman" panose="02020603050405020304" pitchFamily="18" charset="0"/>
+              </a:rPr>
+              <a:t>fname</a:t>
+            </a:r>
+            <a:r>
+              <a:rPr lang="en-US" sz="1800" dirty="0" smtClean="0">
+                <a:effectLst/>
+                <a:latin typeface="Calibri" panose="020F0502020204030204" pitchFamily="34" charset="0"/>
+                <a:ea typeface="Calibri" panose="020F0502020204030204" pitchFamily="34" charset="0"/>
+                <a:cs typeface="Times New Roman" panose="02020603050405020304" pitchFamily="18" charset="0"/>
+              </a:rPr>
+              <a:t> from employee; </a:t>
+            </a:r>
+            <a:endParaRPr lang="en-US" sz="1800" dirty="0">
+              <a:effectLst/>
+              <a:latin typeface="Calibri" panose="020F0502020204030204" pitchFamily="34" charset="0"/>
+              <a:ea typeface="Calibri" panose="020F0502020204030204" pitchFamily="34" charset="0"/>
+              <a:cs typeface="Times New Roman" panose="02020603050405020304" pitchFamily="18" charset="0"/>
+            </a:endParaRPr>
           </a:p>
           <a:p>
             <a:pPr marL="342900" marR="0" lvl="0" indent="-342900">
@@ -8889,8 +9088,78 @@
                 <a:ea typeface="Calibri" panose="020F0502020204030204" pitchFamily="34" charset="0"/>
                 <a:cs typeface="Times New Roman" panose="02020603050405020304" pitchFamily="18" charset="0"/>
               </a:rPr>
-              <a:t>Show employees who are working in department # 5 or earn between 20,000 and 40,000</a:t>
-            </a:r>
+              <a:t>Show employees who are working in department # 5 or earn between 20,000 and </a:t>
+            </a:r>
+            <a:r>
+              <a:rPr lang="en-US" sz="1800" dirty="0" smtClean="0">
+                <a:effectLst/>
+                <a:latin typeface="Calibri" panose="020F0502020204030204" pitchFamily="34" charset="0"/>
+                <a:ea typeface="Calibri" panose="020F0502020204030204" pitchFamily="34" charset="0"/>
+                <a:cs typeface="Times New Roman" panose="02020603050405020304" pitchFamily="18" charset="0"/>
+              </a:rPr>
+              <a:t>40,000</a:t>
+            </a:r>
+          </a:p>
+          <a:p>
+            <a:pPr marL="342900" marR="0" lvl="0" indent="-342900">
+              <a:lnSpc>
+                <a:spcPct val="107000"/>
+              </a:lnSpc>
+              <a:spcBef>
+                <a:spcPts val="0"/>
+              </a:spcBef>
+              <a:spcAft>
+                <a:spcPts val="0"/>
+              </a:spcAft>
+              <a:buFont typeface="+mj-lt"/>
+              <a:buAutoNum type="arabicPeriod"/>
+            </a:pPr>
+            <a:r>
+              <a:rPr lang="en-US" sz="1800" dirty="0" smtClean="0">
+                <a:latin typeface="Calibri" panose="020F0502020204030204" pitchFamily="34" charset="0"/>
+                <a:ea typeface="Calibri" panose="020F0502020204030204" pitchFamily="34" charset="0"/>
+                <a:cs typeface="Times New Roman" panose="02020603050405020304" pitchFamily="18" charset="0"/>
+              </a:rPr>
+              <a:t>Select* from employee </a:t>
+            </a:r>
+            <a:r>
+              <a:rPr lang="en-US" sz="1800" dirty="0" err="1" smtClean="0">
+                <a:latin typeface="Calibri" panose="020F0502020204030204" pitchFamily="34" charset="0"/>
+                <a:ea typeface="Calibri" panose="020F0502020204030204" pitchFamily="34" charset="0"/>
+                <a:cs typeface="Times New Roman" panose="02020603050405020304" pitchFamily="18" charset="0"/>
+              </a:rPr>
+              <a:t>whrere</a:t>
+            </a:r>
+            <a:r>
+              <a:rPr lang="en-US" sz="1800" dirty="0" smtClean="0">
+                <a:latin typeface="Calibri" panose="020F0502020204030204" pitchFamily="34" charset="0"/>
+                <a:ea typeface="Calibri" panose="020F0502020204030204" pitchFamily="34" charset="0"/>
+                <a:cs typeface="Times New Roman" panose="02020603050405020304" pitchFamily="18" charset="0"/>
+              </a:rPr>
+              <a:t> </a:t>
+            </a:r>
+            <a:r>
+              <a:rPr lang="en-US" sz="1800" dirty="0" err="1" smtClean="0">
+                <a:latin typeface="Calibri" panose="020F0502020204030204" pitchFamily="34" charset="0"/>
+                <a:ea typeface="Calibri" panose="020F0502020204030204" pitchFamily="34" charset="0"/>
+                <a:cs typeface="Times New Roman" panose="02020603050405020304" pitchFamily="18" charset="0"/>
+              </a:rPr>
+              <a:t>dno</a:t>
+            </a:r>
+            <a:r>
+              <a:rPr lang="en-US" sz="1800" dirty="0" smtClean="0">
+                <a:latin typeface="Calibri" panose="020F0502020204030204" pitchFamily="34" charset="0"/>
+                <a:ea typeface="Calibri" panose="020F0502020204030204" pitchFamily="34" charset="0"/>
+                <a:cs typeface="Times New Roman" panose="02020603050405020304" pitchFamily="18" charset="0"/>
+              </a:rPr>
+              <a:t>=5 or salary between 20000 and 40000;</a:t>
+            </a:r>
+            <a:endParaRPr lang="en-US" sz="1800" dirty="0">
+              <a:effectLst/>
+              <a:latin typeface="Calibri" panose="020F0502020204030204" pitchFamily="34" charset="0"/>
+              <a:ea typeface="Calibri" panose="020F0502020204030204" pitchFamily="34" charset="0"/>
+              <a:cs typeface="Times New Roman" panose="02020603050405020304" pitchFamily="18" charset="0"/>
+            </a:endParaRPr>
           </a:p>
           <a:p>
             <a:pPr marL="342900" marR="0" lvl="0" indent="-342900">
@@ -8915,6 +9184,56 @@
               </a:rPr>
               <a:t>Show information of all employees in descending order by their salaries. </a:t>
             </a:r>
+            <a:endParaRPr lang="en-US" sz="1800" dirty="0" smtClean="0">
+              <a:effectLst/>
+              <a:latin typeface="Calibri" panose="020F0502020204030204" pitchFamily="34" charset="0"/>
+              <a:ea typeface="Calibri" panose="020F0502020204030204" pitchFamily="34" charset="0"/>
+              <a:cs typeface="Times New Roman" panose="02020603050405020304" pitchFamily="18" charset="0"/>
+            </a:endParaRPr>
+          </a:p>
+          <a:p>
+            <a:pPr marL="0" marR="0" lvl="0" indent="0">
+              <a:lnSpc>
+                <a:spcPct val="107000"/>
+              </a:lnSpc>
+              <a:spcBef>
+                <a:spcPts val="0"/>
+              </a:spcBef>
+              <a:spcAft>
+                <a:spcPts val="800"/>
+              </a:spcAft>
+              <a:buNone/>
+            </a:pPr>
+            <a:r>
+              <a:rPr lang="en-US" sz="1800" dirty="0" smtClean="0">
+                <a:latin typeface="Calibri" panose="020F0502020204030204" pitchFamily="34" charset="0"/>
+                <a:ea typeface="Calibri" panose="020F0502020204030204" pitchFamily="34" charset="0"/>
+                <a:cs typeface="Times New Roman" panose="02020603050405020304" pitchFamily="18" charset="0"/>
+              </a:rPr>
+              <a:t>Select* from employees order by salary </a:t>
+            </a:r>
+            <a:r>
+              <a:rPr lang="en-US" sz="1800" dirty="0" err="1" smtClean="0">
+                <a:latin typeface="Calibri" panose="020F0502020204030204" pitchFamily="34" charset="0"/>
+                <a:ea typeface="Calibri" panose="020F0502020204030204" pitchFamily="34" charset="0"/>
+                <a:cs typeface="Times New Roman" panose="02020603050405020304" pitchFamily="18" charset="0"/>
+              </a:rPr>
+              <a:t>desc</a:t>
+            </a:r>
+            <a:r>
+              <a:rPr lang="en-US" sz="1800" dirty="0" smtClean="0">
+                <a:latin typeface="Calibri" panose="020F0502020204030204" pitchFamily="34" charset="0"/>
+                <a:ea typeface="Calibri" panose="020F0502020204030204" pitchFamily="34" charset="0"/>
+                <a:cs typeface="Times New Roman" panose="02020603050405020304" pitchFamily="18" charset="0"/>
+              </a:rPr>
+              <a:t>;</a:t>
+            </a:r>
+            <a:endParaRPr lang="en-US" sz="1800" dirty="0">
+              <a:effectLst/>
+              <a:latin typeface="Calibri" panose="020F0502020204030204" pitchFamily="34" charset="0"/>
+              <a:ea typeface="Calibri" panose="020F0502020204030204" pitchFamily="34" charset="0"/>
+              <a:cs typeface="Times New Roman" panose="02020603050405020304" pitchFamily="18" charset="0"/>
+            </a:endParaRPr>
           </a:p>
           <a:p>
             <a:endParaRPr lang="en-US" dirty="0"/>
@@ -8956,7 +9275,7 @@
           <p:cNvPr id="516098" name="Rectangle 2">
             <a:extLst>
               <a:ext uri="{FF2B5EF4-FFF2-40B4-BE49-F238E27FC236}">
-                <a16:creationId xmlns:a16="http://schemas.microsoft.com/office/drawing/2014/main" xmlns="" id="{8F45DA60-EA4F-4F26-8BCA-53BE8467927C}"/>
+                <a16:creationId xmlns="" xmlns:a16="http://schemas.microsoft.com/office/drawing/2014/main" id="{8F45DA60-EA4F-4F26-8BCA-53BE8467927C}"/>
               </a:ext>
             </a:extLst>
           </p:cNvPr>
@@ -8999,7 +9318,7 @@
           <p:cNvPr id="57347" name="Rectangle 3">
             <a:extLst>
               <a:ext uri="{FF2B5EF4-FFF2-40B4-BE49-F238E27FC236}">
-                <a16:creationId xmlns:a16="http://schemas.microsoft.com/office/drawing/2014/main" xmlns="" id="{9F591FE7-D867-4688-9205-914573DD480C}"/>
+                <a16:creationId xmlns="" xmlns:a16="http://schemas.microsoft.com/office/drawing/2014/main" id="{9F591FE7-D867-4688-9205-914573DD480C}"/>
               </a:ext>
             </a:extLst>
           </p:cNvPr>
@@ -9136,7 +9455,7 @@
           <p:cNvPr id="589826" name="Rectangle 2">
             <a:extLst>
               <a:ext uri="{FF2B5EF4-FFF2-40B4-BE49-F238E27FC236}">
-                <a16:creationId xmlns:a16="http://schemas.microsoft.com/office/drawing/2014/main" xmlns="" id="{FEE15113-0ACF-43C5-BD8C-70DCF6B45F7F}"/>
+                <a16:creationId xmlns="" xmlns:a16="http://schemas.microsoft.com/office/drawing/2014/main" id="{FEE15113-0ACF-43C5-BD8C-70DCF6B45F7F}"/>
               </a:ext>
             </a:extLst>
           </p:cNvPr>
@@ -9179,7 +9498,7 @@
           <p:cNvPr id="58371" name="Rectangle 3">
             <a:extLst>
               <a:ext uri="{FF2B5EF4-FFF2-40B4-BE49-F238E27FC236}">
-                <a16:creationId xmlns:a16="http://schemas.microsoft.com/office/drawing/2014/main" xmlns="" id="{D0178249-72DC-4B5D-A1FC-3C3A209F1CE0}"/>
+                <a16:creationId xmlns="" xmlns:a16="http://schemas.microsoft.com/office/drawing/2014/main" id="{D0178249-72DC-4B5D-A1FC-3C3A209F1CE0}"/>
               </a:ext>
             </a:extLst>
           </p:cNvPr>
@@ -9364,7 +9683,7 @@
           <p:cNvPr id="590850" name="Rectangle 2">
             <a:extLst>
               <a:ext uri="{FF2B5EF4-FFF2-40B4-BE49-F238E27FC236}">
-                <a16:creationId xmlns:a16="http://schemas.microsoft.com/office/drawing/2014/main" xmlns="" id="{CA3FD08A-2701-44DB-8DFD-3D9FA4663AC3}"/>
+                <a16:creationId xmlns="" xmlns:a16="http://schemas.microsoft.com/office/drawing/2014/main" id="{CA3FD08A-2701-44DB-8DFD-3D9FA4663AC3}"/>
               </a:ext>
             </a:extLst>
           </p:cNvPr>
@@ -9407,7 +9726,7 @@
           <p:cNvPr id="59395" name="Rectangle 3">
             <a:extLst>
               <a:ext uri="{FF2B5EF4-FFF2-40B4-BE49-F238E27FC236}">
-                <a16:creationId xmlns:a16="http://schemas.microsoft.com/office/drawing/2014/main" xmlns="" id="{D6A7F463-D1D0-41D3-BA3A-7916A8247C54}"/>
+                <a16:creationId xmlns="" xmlns:a16="http://schemas.microsoft.com/office/drawing/2014/main" id="{D6A7F463-D1D0-41D3-BA3A-7916A8247C54}"/>
               </a:ext>
             </a:extLst>
           </p:cNvPr>
@@ -9590,7 +9909,7 @@
           <p:cNvPr id="521218" name="Rectangle 2">
             <a:extLst>
               <a:ext uri="{FF2B5EF4-FFF2-40B4-BE49-F238E27FC236}">
-                <a16:creationId xmlns:a16="http://schemas.microsoft.com/office/drawing/2014/main" xmlns="" id="{2502DB46-7397-46CC-82D1-328922CBC535}"/>
+                <a16:creationId xmlns="" xmlns:a16="http://schemas.microsoft.com/office/drawing/2014/main" id="{2502DB46-7397-46CC-82D1-328922CBC535}"/>
               </a:ext>
             </a:extLst>
           </p:cNvPr>
@@ -9633,7 +9952,7 @@
           <p:cNvPr id="32771" name="Rectangle 3">
             <a:extLst>
               <a:ext uri="{FF2B5EF4-FFF2-40B4-BE49-F238E27FC236}">
-                <a16:creationId xmlns:a16="http://schemas.microsoft.com/office/drawing/2014/main" xmlns="" id="{8E34ECEE-D67C-4374-821D-37C52007E81F}"/>
+                <a16:creationId xmlns="" xmlns:a16="http://schemas.microsoft.com/office/drawing/2014/main" id="{8E34ECEE-D67C-4374-821D-37C52007E81F}"/>
               </a:ext>
             </a:extLst>
           </p:cNvPr>
@@ -9726,7 +10045,7 @@
           <p:cNvPr id="2" name="Title 1">
             <a:extLst>
               <a:ext uri="{FF2B5EF4-FFF2-40B4-BE49-F238E27FC236}">
-                <a16:creationId xmlns:a16="http://schemas.microsoft.com/office/drawing/2014/main" xmlns="" id="{8D2395D6-6381-468B-B94F-034364C7EE35}"/>
+                <a16:creationId xmlns="" xmlns:a16="http://schemas.microsoft.com/office/drawing/2014/main" id="{8D2395D6-6381-468B-B94F-034364C7EE35}"/>
               </a:ext>
             </a:extLst>
           </p:cNvPr>
@@ -9754,7 +10073,7 @@
           <p:cNvPr id="3" name="Content Placeholder 2">
             <a:extLst>
               <a:ext uri="{FF2B5EF4-FFF2-40B4-BE49-F238E27FC236}">
-                <a16:creationId xmlns:a16="http://schemas.microsoft.com/office/drawing/2014/main" xmlns="" id="{955ED18B-045A-4ECA-A7E6-E9CDC292C4D5}"/>
+                <a16:creationId xmlns="" xmlns:a16="http://schemas.microsoft.com/office/drawing/2014/main" id="{955ED18B-045A-4ECA-A7E6-E9CDC292C4D5}"/>
               </a:ext>
             </a:extLst>
           </p:cNvPr>
@@ -10049,7 +10368,7 @@
           <p:cNvPr id="2" name="Title 1">
             <a:extLst>
               <a:ext uri="{FF2B5EF4-FFF2-40B4-BE49-F238E27FC236}">
-                <a16:creationId xmlns:a16="http://schemas.microsoft.com/office/drawing/2014/main" xmlns="" id="{8B5B2C1B-DBD5-4A3C-81A0-87C84DDD01CA}"/>
+                <a16:creationId xmlns="" xmlns:a16="http://schemas.microsoft.com/office/drawing/2014/main" id="{8B5B2C1B-DBD5-4A3C-81A0-87C84DDD01CA}"/>
               </a:ext>
             </a:extLst>
           </p:cNvPr>
@@ -10099,7 +10418,7 @@
           <p:cNvPr id="3" name="Content Placeholder 2">
             <a:extLst>
               <a:ext uri="{FF2B5EF4-FFF2-40B4-BE49-F238E27FC236}">
-                <a16:creationId xmlns:a16="http://schemas.microsoft.com/office/drawing/2014/main" xmlns="" id="{66A10FE8-2F05-4597-9ED4-1885541B7330}"/>
+                <a16:creationId xmlns="" xmlns:a16="http://schemas.microsoft.com/office/drawing/2014/main" id="{66A10FE8-2F05-4597-9ED4-1885541B7330}"/>
               </a:ext>
             </a:extLst>
           </p:cNvPr>
@@ -10286,7 +10605,7 @@
           <p:cNvPr id="2" name="Title 1">
             <a:extLst>
               <a:ext uri="{FF2B5EF4-FFF2-40B4-BE49-F238E27FC236}">
-                <a16:creationId xmlns:a16="http://schemas.microsoft.com/office/drawing/2014/main" xmlns="" id="{8B5B2C1B-DBD5-4A3C-81A0-87C84DDD01CA}"/>
+                <a16:creationId xmlns="" xmlns:a16="http://schemas.microsoft.com/office/drawing/2014/main" id="{8B5B2C1B-DBD5-4A3C-81A0-87C84DDD01CA}"/>
               </a:ext>
             </a:extLst>
           </p:cNvPr>
@@ -10316,7 +10635,7 @@
           <p:cNvPr id="3" name="Content Placeholder 2">
             <a:extLst>
               <a:ext uri="{FF2B5EF4-FFF2-40B4-BE49-F238E27FC236}">
-                <a16:creationId xmlns:a16="http://schemas.microsoft.com/office/drawing/2014/main" xmlns="" id="{66A10FE8-2F05-4597-9ED4-1885541B7330}"/>
+                <a16:creationId xmlns="" xmlns:a16="http://schemas.microsoft.com/office/drawing/2014/main" id="{66A10FE8-2F05-4597-9ED4-1885541B7330}"/>
               </a:ext>
             </a:extLst>
           </p:cNvPr>
@@ -10508,7 +10827,7 @@
           <p:cNvPr id="538626" name="Rectangle 2">
             <a:extLst>
               <a:ext uri="{FF2B5EF4-FFF2-40B4-BE49-F238E27FC236}">
-                <a16:creationId xmlns:a16="http://schemas.microsoft.com/office/drawing/2014/main" xmlns="" id="{B90315A0-F6BD-4679-A657-6E845C1B24F3}"/>
+                <a16:creationId xmlns="" xmlns:a16="http://schemas.microsoft.com/office/drawing/2014/main" id="{B90315A0-F6BD-4679-A657-6E845C1B24F3}"/>
               </a:ext>
             </a:extLst>
           </p:cNvPr>
@@ -10546,7 +10865,7 @@
           <p:cNvPr id="53251" name="Rectangle 3">
             <a:extLst>
               <a:ext uri="{FF2B5EF4-FFF2-40B4-BE49-F238E27FC236}">
-                <a16:creationId xmlns:a16="http://schemas.microsoft.com/office/drawing/2014/main" xmlns="" id="{9570952F-841C-4CE9-8D27-75471C7BFAFB}"/>
+                <a16:creationId xmlns="" xmlns:a16="http://schemas.microsoft.com/office/drawing/2014/main" id="{9570952F-841C-4CE9-8D27-75471C7BFAFB}"/>
               </a:ext>
             </a:extLst>
           </p:cNvPr>
@@ -10703,7 +11022,7 @@
           <p:cNvPr id="535554" name="Rectangle 2">
             <a:extLst>
               <a:ext uri="{FF2B5EF4-FFF2-40B4-BE49-F238E27FC236}">
-                <a16:creationId xmlns:a16="http://schemas.microsoft.com/office/drawing/2014/main" xmlns="" id="{4CFF8BED-587F-418E-848F-9EBE5C6DC173}"/>
+                <a16:creationId xmlns="" xmlns:a16="http://schemas.microsoft.com/office/drawing/2014/main" id="{4CFF8BED-587F-418E-848F-9EBE5C6DC173}"/>
               </a:ext>
             </a:extLst>
           </p:cNvPr>
@@ -10746,7 +11065,7 @@
           <p:cNvPr id="47107" name="Rectangle 3">
             <a:extLst>
               <a:ext uri="{FF2B5EF4-FFF2-40B4-BE49-F238E27FC236}">
-                <a16:creationId xmlns:a16="http://schemas.microsoft.com/office/drawing/2014/main" xmlns="" id="{7A0D2D09-A910-4ED3-BFA7-8E41FED505B0}"/>
+                <a16:creationId xmlns="" xmlns:a16="http://schemas.microsoft.com/office/drawing/2014/main" id="{7A0D2D09-A910-4ED3-BFA7-8E41FED505B0}"/>
               </a:ext>
             </a:extLst>
           </p:cNvPr>
@@ -11028,7 +11347,7 @@
           <p:cNvPr id="535554" name="Rectangle 2">
             <a:extLst>
               <a:ext uri="{FF2B5EF4-FFF2-40B4-BE49-F238E27FC236}">
-                <a16:creationId xmlns:a16="http://schemas.microsoft.com/office/drawing/2014/main" xmlns="" id="{4CFF8BED-587F-418E-848F-9EBE5C6DC173}"/>
+                <a16:creationId xmlns="" xmlns:a16="http://schemas.microsoft.com/office/drawing/2014/main" id="{4CFF8BED-587F-418E-848F-9EBE5C6DC173}"/>
               </a:ext>
             </a:extLst>
           </p:cNvPr>
@@ -11071,7 +11390,7 @@
           <p:cNvPr id="47107" name="Rectangle 3">
             <a:extLst>
               <a:ext uri="{FF2B5EF4-FFF2-40B4-BE49-F238E27FC236}">
-                <a16:creationId xmlns:a16="http://schemas.microsoft.com/office/drawing/2014/main" xmlns="" id="{7A0D2D09-A910-4ED3-BFA7-8E41FED505B0}"/>
+                <a16:creationId xmlns="" xmlns:a16="http://schemas.microsoft.com/office/drawing/2014/main" id="{7A0D2D09-A910-4ED3-BFA7-8E41FED505B0}"/>
               </a:ext>
             </a:extLst>
           </p:cNvPr>
@@ -11210,7 +11529,7 @@
           <p:cNvPr id="533506" name="Rectangle 2">
             <a:extLst>
               <a:ext uri="{FF2B5EF4-FFF2-40B4-BE49-F238E27FC236}">
-                <a16:creationId xmlns:a16="http://schemas.microsoft.com/office/drawing/2014/main" xmlns="" id="{1EA5591E-7625-41F9-BEDD-53095AAB005D}"/>
+                <a16:creationId xmlns="" xmlns:a16="http://schemas.microsoft.com/office/drawing/2014/main" id="{1EA5591E-7625-41F9-BEDD-53095AAB005D}"/>
               </a:ext>
             </a:extLst>
           </p:cNvPr>
@@ -11258,7 +11577,7 @@
           <p:cNvPr id="48131" name="Rectangle 3">
             <a:extLst>
               <a:ext uri="{FF2B5EF4-FFF2-40B4-BE49-F238E27FC236}">
-                <a16:creationId xmlns:a16="http://schemas.microsoft.com/office/drawing/2014/main" xmlns="" id="{BF2B8C09-F25D-480F-8ECE-E8A08474143F}"/>
+                <a16:creationId xmlns="" xmlns:a16="http://schemas.microsoft.com/office/drawing/2014/main" id="{BF2B8C09-F25D-480F-8ECE-E8A08474143F}"/>
               </a:ext>
             </a:extLst>
           </p:cNvPr>
@@ -11702,7 +12021,7 @@
           <p:cNvPr id="533506" name="Rectangle 2">
             <a:extLst>
               <a:ext uri="{FF2B5EF4-FFF2-40B4-BE49-F238E27FC236}">
-                <a16:creationId xmlns:a16="http://schemas.microsoft.com/office/drawing/2014/main" xmlns="" id="{1EA5591E-7625-41F9-BEDD-53095AAB005D}"/>
+                <a16:creationId xmlns="" xmlns:a16="http://schemas.microsoft.com/office/drawing/2014/main" id="{1EA5591E-7625-41F9-BEDD-53095AAB005D}"/>
               </a:ext>
             </a:extLst>
           </p:cNvPr>
@@ -11750,7 +12069,7 @@
           <p:cNvPr id="48131" name="Rectangle 3">
             <a:extLst>
               <a:ext uri="{FF2B5EF4-FFF2-40B4-BE49-F238E27FC236}">
-                <a16:creationId xmlns:a16="http://schemas.microsoft.com/office/drawing/2014/main" xmlns="" id="{BF2B8C09-F25D-480F-8ECE-E8A08474143F}"/>
+                <a16:creationId xmlns="" xmlns:a16="http://schemas.microsoft.com/office/drawing/2014/main" id="{BF2B8C09-F25D-480F-8ECE-E8A08474143F}"/>
               </a:ext>
             </a:extLst>
           </p:cNvPr>
@@ -12361,7 +12680,7 @@
           <p:cNvPr id="533506" name="Rectangle 2">
             <a:extLst>
               <a:ext uri="{FF2B5EF4-FFF2-40B4-BE49-F238E27FC236}">
-                <a16:creationId xmlns:a16="http://schemas.microsoft.com/office/drawing/2014/main" xmlns="" id="{1EA5591E-7625-41F9-BEDD-53095AAB005D}"/>
+                <a16:creationId xmlns="" xmlns:a16="http://schemas.microsoft.com/office/drawing/2014/main" id="{1EA5591E-7625-41F9-BEDD-53095AAB005D}"/>
               </a:ext>
             </a:extLst>
           </p:cNvPr>
@@ -12409,7 +12728,7 @@
           <p:cNvPr id="48131" name="Rectangle 3">
             <a:extLst>
               <a:ext uri="{FF2B5EF4-FFF2-40B4-BE49-F238E27FC236}">
-                <a16:creationId xmlns:a16="http://schemas.microsoft.com/office/drawing/2014/main" xmlns="" id="{BF2B8C09-F25D-480F-8ECE-E8A08474143F}"/>
+                <a16:creationId xmlns="" xmlns:a16="http://schemas.microsoft.com/office/drawing/2014/main" id="{BF2B8C09-F25D-480F-8ECE-E8A08474143F}"/>
               </a:ext>
             </a:extLst>
           </p:cNvPr>
@@ -12563,7 +12882,7 @@
           <p:cNvPr id="495618" name="Rectangle 2">
             <a:extLst>
               <a:ext uri="{FF2B5EF4-FFF2-40B4-BE49-F238E27FC236}">
-                <a16:creationId xmlns:a16="http://schemas.microsoft.com/office/drawing/2014/main" xmlns="" id="{A0585A4B-70F1-40AB-8DFC-D942E946BB17}"/>
+                <a16:creationId xmlns="" xmlns:a16="http://schemas.microsoft.com/office/drawing/2014/main" id="{A0585A4B-70F1-40AB-8DFC-D942E946BB17}"/>
               </a:ext>
             </a:extLst>
           </p:cNvPr>
@@ -12606,7 +12925,7 @@
           <p:cNvPr id="49155" name="Rectangle 3">
             <a:extLst>
               <a:ext uri="{FF2B5EF4-FFF2-40B4-BE49-F238E27FC236}">
-                <a16:creationId xmlns:a16="http://schemas.microsoft.com/office/drawing/2014/main" xmlns="" id="{AB854D3D-7305-475C-A1EC-CA85C71A30B1}"/>
+                <a16:creationId xmlns="" xmlns:a16="http://schemas.microsoft.com/office/drawing/2014/main" id="{AB854D3D-7305-475C-A1EC-CA85C71A30B1}"/>
               </a:ext>
             </a:extLst>
           </p:cNvPr>
@@ -12735,7 +13054,7 @@
           <p:cNvPr id="584706" name="Rectangle 2">
             <a:extLst>
               <a:ext uri="{FF2B5EF4-FFF2-40B4-BE49-F238E27FC236}">
-                <a16:creationId xmlns:a16="http://schemas.microsoft.com/office/drawing/2014/main" xmlns="" id="{EA22F81E-B729-4D73-8A45-ACA755E1817F}"/>
+                <a16:creationId xmlns="" xmlns:a16="http://schemas.microsoft.com/office/drawing/2014/main" id="{EA22F81E-B729-4D73-8A45-ACA755E1817F}"/>
               </a:ext>
             </a:extLst>
           </p:cNvPr>
@@ -12778,7 +13097,7 @@
           <p:cNvPr id="584707" name="Rectangle 3">
             <a:extLst>
               <a:ext uri="{FF2B5EF4-FFF2-40B4-BE49-F238E27FC236}">
-                <a16:creationId xmlns:a16="http://schemas.microsoft.com/office/drawing/2014/main" xmlns="" id="{9C77E88A-D8AF-4547-97CD-7207C59EACFE}"/>
+                <a16:creationId xmlns="" xmlns:a16="http://schemas.microsoft.com/office/drawing/2014/main" id="{9C77E88A-D8AF-4547-97CD-7207C59EACFE}"/>
               </a:ext>
             </a:extLst>
           </p:cNvPr>
@@ -12952,7 +13271,7 @@
           <p:cNvPr id="497666" name="Rectangle 2">
             <a:extLst>
               <a:ext uri="{FF2B5EF4-FFF2-40B4-BE49-F238E27FC236}">
-                <a16:creationId xmlns:a16="http://schemas.microsoft.com/office/drawing/2014/main" xmlns="" id="{42F6D040-8206-4B43-A454-662471EA1048}"/>
+                <a16:creationId xmlns="" xmlns:a16="http://schemas.microsoft.com/office/drawing/2014/main" id="{42F6D040-8206-4B43-A454-662471EA1048}"/>
               </a:ext>
             </a:extLst>
           </p:cNvPr>
@@ -12995,7 +13314,7 @@
           <p:cNvPr id="497667" name="Rectangle 3">
             <a:extLst>
               <a:ext uri="{FF2B5EF4-FFF2-40B4-BE49-F238E27FC236}">
-                <a16:creationId xmlns:a16="http://schemas.microsoft.com/office/drawing/2014/main" xmlns="" id="{BD419B4F-F312-485D-9C54-B7C07EA03EBA}"/>
+                <a16:creationId xmlns="" xmlns:a16="http://schemas.microsoft.com/office/drawing/2014/main" id="{BD419B4F-F312-485D-9C54-B7C07EA03EBA}"/>
               </a:ext>
             </a:extLst>
           </p:cNvPr>
@@ -13155,7 +13474,7 @@
           <p:cNvPr id="2" name="Title 1">
             <a:extLst>
               <a:ext uri="{FF2B5EF4-FFF2-40B4-BE49-F238E27FC236}">
-                <a16:creationId xmlns:a16="http://schemas.microsoft.com/office/drawing/2014/main" xmlns="" id="{091BE607-AE82-485E-9CDE-BB63342DEDFF}"/>
+                <a16:creationId xmlns="" xmlns:a16="http://schemas.microsoft.com/office/drawing/2014/main" id="{091BE607-AE82-485E-9CDE-BB63342DEDFF}"/>
               </a:ext>
             </a:extLst>
           </p:cNvPr>
@@ -13183,7 +13502,7 @@
           <p:cNvPr id="3" name="Content Placeholder 2">
             <a:extLst>
               <a:ext uri="{FF2B5EF4-FFF2-40B4-BE49-F238E27FC236}">
-                <a16:creationId xmlns:a16="http://schemas.microsoft.com/office/drawing/2014/main" xmlns="" id="{8B38FC67-2C6B-4FA2-AB14-8C7CE92396FB}"/>
+                <a16:creationId xmlns="" xmlns:a16="http://schemas.microsoft.com/office/drawing/2014/main" id="{8B38FC67-2C6B-4FA2-AB14-8C7CE92396FB}"/>
               </a:ext>
             </a:extLst>
           </p:cNvPr>
@@ -13478,7 +13797,7 @@
           <p:cNvPr id="505858" name="Rectangle 2">
             <a:extLst>
               <a:ext uri="{FF2B5EF4-FFF2-40B4-BE49-F238E27FC236}">
-                <a16:creationId xmlns:a16="http://schemas.microsoft.com/office/drawing/2014/main" xmlns="" id="{F84BA52D-907D-4311-B530-A3F04659A1DE}"/>
+                <a16:creationId xmlns="" xmlns:a16="http://schemas.microsoft.com/office/drawing/2014/main" id="{F84BA52D-907D-4311-B530-A3F04659A1DE}"/>
               </a:ext>
             </a:extLst>
           </p:cNvPr>
@@ -13521,7 +13840,7 @@
           <p:cNvPr id="505859" name="Rectangle 3">
             <a:extLst>
               <a:ext uri="{FF2B5EF4-FFF2-40B4-BE49-F238E27FC236}">
-                <a16:creationId xmlns:a16="http://schemas.microsoft.com/office/drawing/2014/main" xmlns="" id="{82D7C997-F6AD-42AD-BC9E-9F10C72FC3FD}"/>
+                <a16:creationId xmlns="" xmlns:a16="http://schemas.microsoft.com/office/drawing/2014/main" id="{82D7C997-F6AD-42AD-BC9E-9F10C72FC3FD}"/>
               </a:ext>
             </a:extLst>
           </p:cNvPr>
@@ -13718,7 +14037,7 @@
           <p:cNvPr id="2" name="Title 1">
             <a:extLst>
               <a:ext uri="{FF2B5EF4-FFF2-40B4-BE49-F238E27FC236}">
-                <a16:creationId xmlns:a16="http://schemas.microsoft.com/office/drawing/2014/main" xmlns="" id="{DFA4C048-0821-4303-ACCD-719A63AF3054}"/>
+                <a16:creationId xmlns="" xmlns:a16="http://schemas.microsoft.com/office/drawing/2014/main" id="{DFA4C048-0821-4303-ACCD-719A63AF3054}"/>
               </a:ext>
             </a:extLst>
           </p:cNvPr>
@@ -13754,7 +14073,7 @@
           <p:cNvPr id="3" name="Content Placeholder 2">
             <a:extLst>
               <a:ext uri="{FF2B5EF4-FFF2-40B4-BE49-F238E27FC236}">
-                <a16:creationId xmlns:a16="http://schemas.microsoft.com/office/drawing/2014/main" xmlns="" id="{6A1E9D4A-305E-4F7D-BBC9-EA2C78581CCF}"/>
+                <a16:creationId xmlns="" xmlns:a16="http://schemas.microsoft.com/office/drawing/2014/main" id="{6A1E9D4A-305E-4F7D-BBC9-EA2C78581CCF}"/>
               </a:ext>
             </a:extLst>
           </p:cNvPr>
@@ -13894,7 +14213,7 @@
           <p:cNvPr id="522242" name="Rectangle 2">
             <a:extLst>
               <a:ext uri="{FF2B5EF4-FFF2-40B4-BE49-F238E27FC236}">
-                <a16:creationId xmlns:a16="http://schemas.microsoft.com/office/drawing/2014/main" xmlns="" id="{DB990A13-76FC-4FC4-BD3E-E986CDC3BBB1}"/>
+                <a16:creationId xmlns="" xmlns:a16="http://schemas.microsoft.com/office/drawing/2014/main" id="{DB990A13-76FC-4FC4-BD3E-E986CDC3BBB1}"/>
               </a:ext>
             </a:extLst>
           </p:cNvPr>
@@ -13937,7 +14256,7 @@
           <p:cNvPr id="522243" name="Rectangle 3">
             <a:extLst>
               <a:ext uri="{FF2B5EF4-FFF2-40B4-BE49-F238E27FC236}">
-                <a16:creationId xmlns:a16="http://schemas.microsoft.com/office/drawing/2014/main" xmlns="" id="{AE47A6B5-0562-4C0E-AE74-073CF4917403}"/>
+                <a16:creationId xmlns="" xmlns:a16="http://schemas.microsoft.com/office/drawing/2014/main" id="{AE47A6B5-0562-4C0E-AE74-073CF4917403}"/>
               </a:ext>
             </a:extLst>
           </p:cNvPr>
@@ -14055,7 +14374,7 @@
           <p:cNvPr id="583682" name="Rectangle 2">
             <a:extLst>
               <a:ext uri="{FF2B5EF4-FFF2-40B4-BE49-F238E27FC236}">
-                <a16:creationId xmlns:a16="http://schemas.microsoft.com/office/drawing/2014/main" xmlns="" id="{A0FA4172-8770-4A1F-A4A6-7B67C052E6F0}"/>
+                <a16:creationId xmlns="" xmlns:a16="http://schemas.microsoft.com/office/drawing/2014/main" id="{A0FA4172-8770-4A1F-A4A6-7B67C052E6F0}"/>
               </a:ext>
             </a:extLst>
           </p:cNvPr>
@@ -14098,7 +14417,7 @@
           <p:cNvPr id="37891" name="Rectangle 3">
             <a:extLst>
               <a:ext uri="{FF2B5EF4-FFF2-40B4-BE49-F238E27FC236}">
-                <a16:creationId xmlns:a16="http://schemas.microsoft.com/office/drawing/2014/main" xmlns="" id="{FF171F45-2CE5-4432-90F6-ABF4FCB31017}"/>
+                <a16:creationId xmlns="" xmlns:a16="http://schemas.microsoft.com/office/drawing/2014/main" id="{FF171F45-2CE5-4432-90F6-ABF4FCB31017}"/>
               </a:ext>
             </a:extLst>
           </p:cNvPr>
@@ -14275,7 +14594,7 @@
           <p:cNvPr id="2" name="Title 1">
             <a:extLst>
               <a:ext uri="{FF2B5EF4-FFF2-40B4-BE49-F238E27FC236}">
-                <a16:creationId xmlns:a16="http://schemas.microsoft.com/office/drawing/2014/main" xmlns="" id="{8EFA29B4-3343-40D2-AAAA-722CDA2B2845}"/>
+                <a16:creationId xmlns="" xmlns:a16="http://schemas.microsoft.com/office/drawing/2014/main" id="{8EFA29B4-3343-40D2-AAAA-722CDA2B2845}"/>
               </a:ext>
             </a:extLst>
           </p:cNvPr>
@@ -14303,7 +14622,7 @@
           <p:cNvPr id="3" name="Content Placeholder 2">
             <a:extLst>
               <a:ext uri="{FF2B5EF4-FFF2-40B4-BE49-F238E27FC236}">
-                <a16:creationId xmlns:a16="http://schemas.microsoft.com/office/drawing/2014/main" xmlns="" id="{F1BF42B3-5E1E-4471-A1D9-CE9688D76718}"/>
+                <a16:creationId xmlns="" xmlns:a16="http://schemas.microsoft.com/office/drawing/2014/main" id="{F1BF42B3-5E1E-4471-A1D9-CE9688D76718}"/>
               </a:ext>
             </a:extLst>
           </p:cNvPr>
@@ -14430,7 +14749,7 @@
           <p:cNvPr id="2" name="Title 1">
             <a:extLst>
               <a:ext uri="{FF2B5EF4-FFF2-40B4-BE49-F238E27FC236}">
-                <a16:creationId xmlns:a16="http://schemas.microsoft.com/office/drawing/2014/main" xmlns="" id="{18A0BC81-7BD5-4FBC-8A62-BA4BD3BFDB4D}"/>
+                <a16:creationId xmlns="" xmlns:a16="http://schemas.microsoft.com/office/drawing/2014/main" id="{18A0BC81-7BD5-4FBC-8A62-BA4BD3BFDB4D}"/>
               </a:ext>
             </a:extLst>
           </p:cNvPr>
@@ -14458,7 +14777,7 @@
           <p:cNvPr id="3" name="Content Placeholder 2">
             <a:extLst>
               <a:ext uri="{FF2B5EF4-FFF2-40B4-BE49-F238E27FC236}">
-                <a16:creationId xmlns:a16="http://schemas.microsoft.com/office/drawing/2014/main" xmlns="" id="{5C2B1511-41D7-4130-99CA-0436EA508193}"/>
+                <a16:creationId xmlns="" xmlns:a16="http://schemas.microsoft.com/office/drawing/2014/main" id="{5C2B1511-41D7-4130-99CA-0436EA508193}"/>
               </a:ext>
             </a:extLst>
           </p:cNvPr>
